--- a/Cpp_STL_Nicolai_Josuttis/07_STL_Containers/STL_Containers.pptx
+++ b/Cpp_STL_Nicolai_Josuttis/07_STL_Containers/STL_Containers.pptx
@@ -838,7 +838,7 @@
           <a:p>
             <a:fld id="{1EE428BE-E1AE-46D2-B7DA-A4DEBF60E8ED}" type="datetimeFigureOut">
               <a:rPr lang="en-US" smtClean="0"/>
-              <a:t>7/27/2025</a:t>
+              <a:t>8/2/2025</a:t>
             </a:fld>
             <a:endParaRPr lang="en-US"/>
           </a:p>
@@ -1089,7 +1089,7 @@
           <a:p>
             <a:fld id="{1EE428BE-E1AE-46D2-B7DA-A4DEBF60E8ED}" type="datetimeFigureOut">
               <a:rPr lang="en-US" smtClean="0"/>
-              <a:t>7/27/2025</a:t>
+              <a:t>8/2/2025</a:t>
             </a:fld>
             <a:endParaRPr lang="en-US"/>
           </a:p>
@@ -1403,7 +1403,7 @@
           <a:p>
             <a:fld id="{1EE428BE-E1AE-46D2-B7DA-A4DEBF60E8ED}" type="datetimeFigureOut">
               <a:rPr lang="en-US" smtClean="0"/>
-              <a:t>7/27/2025</a:t>
+              <a:t>8/2/2025</a:t>
             </a:fld>
             <a:endParaRPr lang="en-US"/>
           </a:p>
@@ -1744,7 +1744,7 @@
           <a:p>
             <a:fld id="{1EE428BE-E1AE-46D2-B7DA-A4DEBF60E8ED}" type="datetimeFigureOut">
               <a:rPr lang="en-US" smtClean="0"/>
-              <a:t>7/27/2025</a:t>
+              <a:t>8/2/2025</a:t>
             </a:fld>
             <a:endParaRPr lang="en-US"/>
           </a:p>
@@ -2058,7 +2058,7 @@
           <a:p>
             <a:fld id="{1EE428BE-E1AE-46D2-B7DA-A4DEBF60E8ED}" type="datetimeFigureOut">
               <a:rPr lang="en-US" smtClean="0"/>
-              <a:t>7/27/2025</a:t>
+              <a:t>8/2/2025</a:t>
             </a:fld>
             <a:endParaRPr lang="en-US"/>
           </a:p>
@@ -2451,7 +2451,7 @@
           <a:p>
             <a:fld id="{1EE428BE-E1AE-46D2-B7DA-A4DEBF60E8ED}" type="datetimeFigureOut">
               <a:rPr lang="en-US" smtClean="0"/>
-              <a:t>7/27/2025</a:t>
+              <a:t>8/2/2025</a:t>
             </a:fld>
             <a:endParaRPr lang="en-US"/>
           </a:p>
@@ -2621,7 +2621,7 @@
           <a:p>
             <a:fld id="{1EE428BE-E1AE-46D2-B7DA-A4DEBF60E8ED}" type="datetimeFigureOut">
               <a:rPr lang="en-US" smtClean="0"/>
-              <a:t>7/27/2025</a:t>
+              <a:t>8/2/2025</a:t>
             </a:fld>
             <a:endParaRPr lang="en-US"/>
           </a:p>
@@ -2801,7 +2801,7 @@
           <a:p>
             <a:fld id="{1EE428BE-E1AE-46D2-B7DA-A4DEBF60E8ED}" type="datetimeFigureOut">
               <a:rPr lang="en-US" smtClean="0"/>
-              <a:t>7/27/2025</a:t>
+              <a:t>8/2/2025</a:t>
             </a:fld>
             <a:endParaRPr lang="en-US"/>
           </a:p>
@@ -2977,7 +2977,7 @@
           <a:p>
             <a:fld id="{1EE428BE-E1AE-46D2-B7DA-A4DEBF60E8ED}" type="datetimeFigureOut">
               <a:rPr lang="en-US" smtClean="0"/>
-              <a:t>7/27/2025</a:t>
+              <a:t>8/2/2025</a:t>
             </a:fld>
             <a:endParaRPr lang="en-US"/>
           </a:p>
@@ -3224,7 +3224,7 @@
           <a:p>
             <a:fld id="{1EE428BE-E1AE-46D2-B7DA-A4DEBF60E8ED}" type="datetimeFigureOut">
               <a:rPr lang="en-US" smtClean="0"/>
-              <a:t>7/27/2025</a:t>
+              <a:t>8/2/2025</a:t>
             </a:fld>
             <a:endParaRPr lang="en-US"/>
           </a:p>
@@ -3456,7 +3456,7 @@
           <a:p>
             <a:fld id="{1EE428BE-E1AE-46D2-B7DA-A4DEBF60E8ED}" type="datetimeFigureOut">
               <a:rPr lang="en-US" smtClean="0"/>
-              <a:t>7/27/2025</a:t>
+              <a:t>8/2/2025</a:t>
             </a:fld>
             <a:endParaRPr lang="en-US"/>
           </a:p>
@@ -3830,7 +3830,7 @@
           <a:p>
             <a:fld id="{1EE428BE-E1AE-46D2-B7DA-A4DEBF60E8ED}" type="datetimeFigureOut">
               <a:rPr lang="en-US" smtClean="0"/>
-              <a:t>7/27/2025</a:t>
+              <a:t>8/2/2025</a:t>
             </a:fld>
             <a:endParaRPr lang="en-US"/>
           </a:p>
@@ -3953,7 +3953,7 @@
           <a:p>
             <a:fld id="{1EE428BE-E1AE-46D2-B7DA-A4DEBF60E8ED}" type="datetimeFigureOut">
               <a:rPr lang="en-US" smtClean="0"/>
-              <a:t>7/27/2025</a:t>
+              <a:t>8/2/2025</a:t>
             </a:fld>
             <a:endParaRPr lang="en-US"/>
           </a:p>
@@ -4048,7 +4048,7 @@
           <a:p>
             <a:fld id="{1EE428BE-E1AE-46D2-B7DA-A4DEBF60E8ED}" type="datetimeFigureOut">
               <a:rPr lang="en-US" smtClean="0"/>
-              <a:t>7/27/2025</a:t>
+              <a:t>8/2/2025</a:t>
             </a:fld>
             <a:endParaRPr lang="en-US"/>
           </a:p>
@@ -4303,7 +4303,7 @@
           <a:p>
             <a:fld id="{1EE428BE-E1AE-46D2-B7DA-A4DEBF60E8ED}" type="datetimeFigureOut">
               <a:rPr lang="en-US" smtClean="0"/>
-              <a:t>7/27/2025</a:t>
+              <a:t>8/2/2025</a:t>
             </a:fld>
             <a:endParaRPr lang="en-US"/>
           </a:p>
@@ -4566,7 +4566,7 @@
           <a:p>
             <a:fld id="{1EE428BE-E1AE-46D2-B7DA-A4DEBF60E8ED}" type="datetimeFigureOut">
               <a:rPr lang="en-US" smtClean="0"/>
-              <a:t>7/27/2025</a:t>
+              <a:t>8/2/2025</a:t>
             </a:fld>
             <a:endParaRPr lang="en-US"/>
           </a:p>
@@ -5334,7 +5334,7 @@
           <a:p>
             <a:fld id="{1EE428BE-E1AE-46D2-B7DA-A4DEBF60E8ED}" type="datetimeFigureOut">
               <a:rPr lang="en-US" smtClean="0"/>
-              <a:t>7/27/2025</a:t>
+              <a:t>8/2/2025</a:t>
             </a:fld>
             <a:endParaRPr lang="en-US"/>
           </a:p>
@@ -9475,13 +9475,13 @@
         </p:nvSpPr>
         <p:spPr>
           <a:xfrm>
-            <a:off x="677334" y="1356654"/>
-            <a:ext cx="10837332" cy="4891746"/>
+            <a:off x="677334" y="1356653"/>
+            <a:ext cx="10837332" cy="5275055"/>
           </a:xfrm>
         </p:spPr>
         <p:txBody>
           <a:bodyPr>
-            <a:normAutofit fontScale="92500" lnSpcReduction="10000"/>
+            <a:normAutofit fontScale="85000" lnSpcReduction="20000"/>
           </a:bodyPr>
           <a:lstStyle/>
           <a:p>
@@ -9497,27 +9497,7 @@
                 <a:latin typeface="Times New Roman" panose="02020603050405020304" pitchFamily="18" charset="0"/>
                 <a:cs typeface="Times New Roman" panose="02020603050405020304" pitchFamily="18" charset="0"/>
               </a:rPr>
-              <a:t>Class array&lt;&gt; models </a:t>
-            </a:r>
-            <a:r>
-              <a:rPr lang="en-US" dirty="0" err="1">
-                <a:solidFill>
-                  <a:schemeClr val="tx1"/>
-                </a:solidFill>
-                <a:latin typeface="Times New Roman" panose="02020603050405020304" pitchFamily="18" charset="0"/>
-                <a:cs typeface="Times New Roman" panose="02020603050405020304" pitchFamily="18" charset="0"/>
-              </a:rPr>
-              <a:t>staic</a:t>
-            </a:r>
-            <a:r>
-              <a:rPr lang="en-US" dirty="0">
-                <a:solidFill>
-                  <a:schemeClr val="tx1"/>
-                </a:solidFill>
-                <a:latin typeface="Times New Roman" panose="02020603050405020304" pitchFamily="18" charset="0"/>
-                <a:cs typeface="Times New Roman" panose="02020603050405020304" pitchFamily="18" charset="0"/>
-              </a:rPr>
-              <a:t> array, it wraps static C-style array providing the interface of an STL container.</a:t>
+              <a:t>Class vector&lt;&gt; model dynamic array, it is an abstraction that manages its elements with dynamic C-style array.</a:t>
             </a:r>
           </a:p>
           <a:p>
@@ -9533,23 +9513,7 @@
                 <a:latin typeface="Times New Roman" panose="02020603050405020304" pitchFamily="18" charset="0"/>
                 <a:cs typeface="Times New Roman" panose="02020603050405020304" pitchFamily="18" charset="0"/>
               </a:rPr>
-              <a:t>Array is a sequence of elements with constant size, neither add or remove elements to change the size.</a:t>
-            </a:r>
-          </a:p>
-          <a:p>
-            <a:pPr>
-              <a:buFont typeface="Wingdings" panose="05000000000000000000" pitchFamily="2" charset="2"/>
-              <a:buChar char="q"/>
-            </a:pPr>
-            <a:r>
-              <a:rPr lang="en-US" dirty="0">
-                <a:solidFill>
-                  <a:schemeClr val="tx1"/>
-                </a:solidFill>
-                <a:latin typeface="Times New Roman" panose="02020603050405020304" pitchFamily="18" charset="0"/>
-                <a:cs typeface="Times New Roman" panose="02020603050405020304" pitchFamily="18" charset="0"/>
-              </a:rPr>
-              <a:t>Only replacement of element values is possible.</a:t>
+              <a:t>A vector copies its elements into internal dynamic array. </a:t>
             </a:r>
           </a:p>
           <a:p>
@@ -9680,7 +9644,7 @@
                 <a:latin typeface="Times New Roman" panose="02020603050405020304" pitchFamily="18" charset="0"/>
                 <a:cs typeface="Times New Roman" panose="02020603050405020304" pitchFamily="18" charset="0"/>
               </a:rPr>
-              <a:t>Elements of an array may have any type T</a:t>
+              <a:t>Vectors provide good performance if you append or delete elements at the end, inserting or deleting in middle or beginning performance is worst.</a:t>
             </a:r>
           </a:p>
           <a:p>
@@ -9696,7 +9660,7 @@
                 <a:latin typeface="Times New Roman" panose="02020603050405020304" pitchFamily="18" charset="0"/>
                 <a:cs typeface="Times New Roman" panose="02020603050405020304" pitchFamily="18" charset="0"/>
               </a:rPr>
-              <a:t>Second template parameter specifies the number of elements the has throughout its lifetime. </a:t>
+              <a:t>Vector allocates more memory than they need to contain all their elements.</a:t>
             </a:r>
           </a:p>
           <a:p>
@@ -9712,7 +9676,7 @@
                 <a:latin typeface="Times New Roman" panose="02020603050405020304" pitchFamily="18" charset="0"/>
                 <a:cs typeface="Times New Roman" panose="02020603050405020304" pitchFamily="18" charset="0"/>
               </a:rPr>
-              <a:t>Size() always yields N</a:t>
+              <a:t>If capacity exceeds, vector has to reallocate its internal memory. Reallocation invalidates all references, pointers and iterators for elements in the vectors. Reallocations takes time.</a:t>
             </a:r>
           </a:p>
           <a:p>
@@ -9728,7 +9692,7 @@
                 <a:latin typeface="Times New Roman" panose="02020603050405020304" pitchFamily="18" charset="0"/>
                 <a:cs typeface="Times New Roman" panose="02020603050405020304" pitchFamily="18" charset="0"/>
               </a:rPr>
-              <a:t>Allocator support is not provided</a:t>
+              <a:t>To avoid reallocation, reserve() to ensure certain capacity before you really need. Reserve saves time, which is consumed for initialization of each element (by calling default constructor)  </a:t>
             </a:r>
           </a:p>
           <a:p>
@@ -9744,7 +9708,7 @@
                 <a:latin typeface="Times New Roman" panose="02020603050405020304" pitchFamily="18" charset="0"/>
                 <a:cs typeface="Times New Roman" panose="02020603050405020304" pitchFamily="18" charset="0"/>
               </a:rPr>
-              <a:t>Array has best performance because memory is allocated on the stack (if possible)</a:t>
+              <a:t>Array provides random access. Iterators are random access iterators so you can use any algorithm of the STL.</a:t>
             </a:r>
           </a:p>
           <a:p>
@@ -9760,7 +9724,59 @@
                 <a:latin typeface="Times New Roman" panose="02020603050405020304" pitchFamily="18" charset="0"/>
                 <a:cs typeface="Times New Roman" panose="02020603050405020304" pitchFamily="18" charset="0"/>
               </a:rPr>
-              <a:t>Array provides random access. Iterators are random access iterators so you can use any algorithm of the STL.</a:t>
+              <a:t>C++ STL provides specialization of vector&lt;bool&gt; for Boolean elements. </a:t>
+            </a:r>
+          </a:p>
+          <a:p>
+            <a:pPr marL="742950" lvl="2" indent="-342900">
+              <a:buFont typeface="Wingdings" panose="05000000000000000000" pitchFamily="2" charset="2"/>
+              <a:buChar char="q"/>
+            </a:pPr>
+            <a:r>
+              <a:rPr lang="en-US" sz="1600" dirty="0">
+                <a:solidFill>
+                  <a:schemeClr val="tx1"/>
+                </a:solidFill>
+                <a:latin typeface="Times New Roman" panose="02020603050405020304" pitchFamily="18" charset="0"/>
+                <a:cs typeface="Times New Roman" panose="02020603050405020304" pitchFamily="18" charset="0"/>
+              </a:rPr>
+              <a:t>Uses only 1 bit for element.</a:t>
+            </a:r>
+          </a:p>
+          <a:p>
+            <a:pPr marL="742950" lvl="2" indent="-342900">
+              <a:buFont typeface="Wingdings" panose="05000000000000000000" pitchFamily="2" charset="2"/>
+              <a:buChar char="q"/>
+            </a:pPr>
+            <a:r>
+              <a:rPr lang="en-US" sz="1600" dirty="0">
+                <a:solidFill>
+                  <a:schemeClr val="tx1"/>
+                </a:solidFill>
+                <a:latin typeface="Times New Roman" panose="02020603050405020304" pitchFamily="18" charset="0"/>
+                <a:cs typeface="Times New Roman" panose="02020603050405020304" pitchFamily="18" charset="0"/>
+              </a:rPr>
+              <a:t>Vector&lt;bool&gt;::reference is not </a:t>
+            </a:r>
+            <a:r>
+              <a:rPr lang="en-US" sz="1600">
+                <a:solidFill>
+                  <a:schemeClr val="tx1"/>
+                </a:solidFill>
+                <a:latin typeface="Times New Roman" panose="02020603050405020304" pitchFamily="18" charset="0"/>
+                <a:cs typeface="Times New Roman" panose="02020603050405020304" pitchFamily="18" charset="0"/>
+              </a:rPr>
+              <a:t>true l-value </a:t>
+            </a:r>
+            <a:r>
+              <a:rPr lang="en-US" sz="1600" dirty="0">
+                <a:solidFill>
+                  <a:schemeClr val="tx1"/>
+                </a:solidFill>
+                <a:latin typeface="Times New Roman" panose="02020603050405020304" pitchFamily="18" charset="0"/>
+                <a:cs typeface="Times New Roman" panose="02020603050405020304" pitchFamily="18" charset="0"/>
+              </a:rPr>
+              <a:t>and vector&lt;bool&gt;::iterator is not a random-access iterator</a:t>
             </a:r>
           </a:p>
           <a:p>

--- a/Cpp_STL_Nicolai_Josuttis/07_STL_Containers/STL_Containers.pptx
+++ b/Cpp_STL_Nicolai_Josuttis/07_STL_Containers/STL_Containers.pptx
@@ -10,6 +10,7 @@
     <p:sldId id="258" r:id="rId4"/>
     <p:sldId id="259" r:id="rId5"/>
     <p:sldId id="260" r:id="rId6"/>
+    <p:sldId id="261" r:id="rId7"/>
   </p:sldIdLst>
   <p:sldSz cx="12192000" cy="6858000"/>
   <p:notesSz cx="6858000" cy="9144000"/>
@@ -9756,27 +9757,7 @@
                 <a:latin typeface="Times New Roman" panose="02020603050405020304" pitchFamily="18" charset="0"/>
                 <a:cs typeface="Times New Roman" panose="02020603050405020304" pitchFamily="18" charset="0"/>
               </a:rPr>
-              <a:t>Vector&lt;bool&gt;::reference is not </a:t>
-            </a:r>
-            <a:r>
-              <a:rPr lang="en-US" sz="1600">
-                <a:solidFill>
-                  <a:schemeClr val="tx1"/>
-                </a:solidFill>
-                <a:latin typeface="Times New Roman" panose="02020603050405020304" pitchFamily="18" charset="0"/>
-                <a:cs typeface="Times New Roman" panose="02020603050405020304" pitchFamily="18" charset="0"/>
-              </a:rPr>
-              <a:t>true l-value </a:t>
-            </a:r>
-            <a:r>
-              <a:rPr lang="en-US" sz="1600" dirty="0">
-                <a:solidFill>
-                  <a:schemeClr val="tx1"/>
-                </a:solidFill>
-                <a:latin typeface="Times New Roman" panose="02020603050405020304" pitchFamily="18" charset="0"/>
-                <a:cs typeface="Times New Roman" panose="02020603050405020304" pitchFamily="18" charset="0"/>
-              </a:rPr>
-              <a:t>and vector&lt;bool&gt;::iterator is not a random-access iterator</a:t>
+              <a:t>Vector&lt;bool&gt;::reference is not true l-value and vector&lt;bool&gt;::iterator is not a random-access iterator</a:t>
             </a:r>
           </a:p>
           <a:p>
@@ -9807,7 +9788,7 @@
         </p:nvGrpSpPr>
         <p:grpSpPr>
           <a:xfrm>
-            <a:off x="7961746" y="707706"/>
+            <a:off x="7998691" y="2231706"/>
             <a:ext cx="3080720" cy="441096"/>
             <a:chOff x="6350393" y="2862578"/>
             <a:chExt cx="5028807" cy="534850"/>
@@ -10140,6 +10121,2175 @@
 </p:sld>
 </file>
 
+<file path=ppt/slides/slide6.xml><?xml version="1.0" encoding="utf-8"?>
+<p:sld xmlns:a="http://schemas.openxmlformats.org/drawingml/2006/main" xmlns:r="http://schemas.openxmlformats.org/officeDocument/2006/relationships" xmlns:p="http://schemas.openxmlformats.org/presentationml/2006/main">
+  <p:cSld>
+    <p:spTree>
+      <p:nvGrpSpPr>
+        <p:cNvPr id="1" name="">
+          <a:extLst>
+            <a:ext uri="{FF2B5EF4-FFF2-40B4-BE49-F238E27FC236}">
+              <a16:creationId xmlns:a16="http://schemas.microsoft.com/office/drawing/2014/main" id="{3EA1367F-EDD7-1232-C459-491FB14F83C6}"/>
+            </a:ext>
+          </a:extLst>
+        </p:cNvPr>
+        <p:cNvGrpSpPr/>
+        <p:nvPr/>
+      </p:nvGrpSpPr>
+      <p:grpSpPr>
+        <a:xfrm>
+          <a:off x="0" y="0"/>
+          <a:ext cx="0" cy="0"/>
+          <a:chOff x="0" y="0"/>
+          <a:chExt cx="0" cy="0"/>
+        </a:xfrm>
+      </p:grpSpPr>
+      <p:sp>
+        <p:nvSpPr>
+          <p:cNvPr id="2" name="Title 1">
+            <a:extLst>
+              <a:ext uri="{FF2B5EF4-FFF2-40B4-BE49-F238E27FC236}">
+                <a16:creationId xmlns:a16="http://schemas.microsoft.com/office/drawing/2014/main" id="{D67802F8-FD03-0A63-2F69-50C212FBC816}"/>
+              </a:ext>
+            </a:extLst>
+          </p:cNvPr>
+          <p:cNvSpPr>
+            <a:spLocks noGrp="1"/>
+          </p:cNvSpPr>
+          <p:nvPr>
+            <p:ph type="title"/>
+          </p:nvPr>
+        </p:nvSpPr>
+        <p:spPr>
+          <a:xfrm>
+            <a:off x="677334" y="609600"/>
+            <a:ext cx="8596668" cy="637309"/>
+          </a:xfrm>
+        </p:spPr>
+        <p:txBody>
+          <a:bodyPr>
+            <a:normAutofit fontScale="90000"/>
+          </a:bodyPr>
+          <a:lstStyle/>
+          <a:p>
+            <a:r>
+              <a:rPr lang="en-US" dirty="0">
+                <a:solidFill>
+                  <a:schemeClr val="tx1"/>
+                </a:solidFill>
+              </a:rPr>
+              <a:t>Lists – std::list&lt;&gt;</a:t>
+            </a:r>
+          </a:p>
+        </p:txBody>
+      </p:sp>
+      <p:sp>
+        <p:nvSpPr>
+          <p:cNvPr id="3" name="Content Placeholder 2">
+            <a:extLst>
+              <a:ext uri="{FF2B5EF4-FFF2-40B4-BE49-F238E27FC236}">
+                <a16:creationId xmlns:a16="http://schemas.microsoft.com/office/drawing/2014/main" id="{536E8343-D3ED-407A-2BD0-3FF396D847AF}"/>
+              </a:ext>
+            </a:extLst>
+          </p:cNvPr>
+          <p:cNvSpPr>
+            <a:spLocks noGrp="1"/>
+          </p:cNvSpPr>
+          <p:nvPr>
+            <p:ph idx="1"/>
+          </p:nvPr>
+        </p:nvSpPr>
+        <p:spPr>
+          <a:xfrm>
+            <a:off x="677334" y="1356653"/>
+            <a:ext cx="10837332" cy="5168219"/>
+          </a:xfrm>
+        </p:spPr>
+        <p:txBody>
+          <a:bodyPr>
+            <a:normAutofit/>
+          </a:bodyPr>
+          <a:lstStyle/>
+          <a:p>
+            <a:pPr>
+              <a:buFont typeface="Wingdings" panose="05000000000000000000" pitchFamily="2" charset="2"/>
+              <a:buChar char="q"/>
+            </a:pPr>
+            <a:r>
+              <a:rPr lang="en-US" dirty="0">
+                <a:solidFill>
+                  <a:schemeClr val="tx1"/>
+                </a:solidFill>
+                <a:latin typeface="Times New Roman" panose="02020603050405020304" pitchFamily="18" charset="0"/>
+                <a:cs typeface="Times New Roman" panose="02020603050405020304" pitchFamily="18" charset="0"/>
+              </a:rPr>
+              <a:t>Class list&lt;&gt; manages its elements as doubly linked list.</a:t>
+            </a:r>
+          </a:p>
+          <a:p>
+            <a:pPr marL="457200" lvl="1" indent="0">
+              <a:buNone/>
+            </a:pPr>
+            <a:r>
+              <a:rPr lang="en-US" dirty="0">
+                <a:solidFill>
+                  <a:schemeClr val="tx1"/>
+                </a:solidFill>
+                <a:latin typeface="Bahnschrift Light" panose="020B0502040204020203" pitchFamily="34" charset="0"/>
+                <a:cs typeface="Times New Roman" panose="02020603050405020304" pitchFamily="18" charset="0"/>
+              </a:rPr>
+              <a:t>#include &lt;list&gt;</a:t>
+            </a:r>
+          </a:p>
+          <a:p>
+            <a:pPr marL="457200" lvl="1" indent="0">
+              <a:buNone/>
+            </a:pPr>
+            <a:r>
+              <a:rPr lang="en-US" dirty="0">
+                <a:solidFill>
+                  <a:schemeClr val="tx1"/>
+                </a:solidFill>
+                <a:latin typeface="Bahnschrift Light" panose="020B0502040204020203" pitchFamily="34" charset="0"/>
+                <a:cs typeface="Times New Roman" panose="02020603050405020304" pitchFamily="18" charset="0"/>
+              </a:rPr>
+              <a:t>namespace std{</a:t>
+            </a:r>
+          </a:p>
+          <a:p>
+            <a:pPr marL="457200" lvl="1" indent="0">
+              <a:buNone/>
+            </a:pPr>
+            <a:r>
+              <a:rPr lang="en-US" dirty="0">
+                <a:solidFill>
+                  <a:schemeClr val="tx1"/>
+                </a:solidFill>
+                <a:latin typeface="Bahnschrift Light" panose="020B0502040204020203" pitchFamily="34" charset="0"/>
+                <a:cs typeface="Times New Roman" panose="02020603050405020304" pitchFamily="18" charset="0"/>
+              </a:rPr>
+              <a:t>	template &lt;</a:t>
+            </a:r>
+            <a:r>
+              <a:rPr lang="en-US" dirty="0" err="1">
+                <a:solidFill>
+                  <a:schemeClr val="tx1"/>
+                </a:solidFill>
+                <a:latin typeface="Bahnschrift Light" panose="020B0502040204020203" pitchFamily="34" charset="0"/>
+                <a:cs typeface="Times New Roman" panose="02020603050405020304" pitchFamily="18" charset="0"/>
+              </a:rPr>
+              <a:t>typename</a:t>
+            </a:r>
+            <a:r>
+              <a:rPr lang="en-US" dirty="0">
+                <a:solidFill>
+                  <a:schemeClr val="tx1"/>
+                </a:solidFill>
+                <a:latin typeface="Bahnschrift Light" panose="020B0502040204020203" pitchFamily="34" charset="0"/>
+                <a:cs typeface="Times New Roman" panose="02020603050405020304" pitchFamily="18" charset="0"/>
+              </a:rPr>
+              <a:t> T, </a:t>
+            </a:r>
+            <a:r>
+              <a:rPr lang="en-US" dirty="0" err="1">
+                <a:solidFill>
+                  <a:schemeClr val="tx1"/>
+                </a:solidFill>
+                <a:latin typeface="Bahnschrift Light" panose="020B0502040204020203" pitchFamily="34" charset="0"/>
+                <a:cs typeface="Times New Roman" panose="02020603050405020304" pitchFamily="18" charset="0"/>
+              </a:rPr>
+              <a:t>typename</a:t>
+            </a:r>
+            <a:r>
+              <a:rPr lang="en-US" dirty="0">
+                <a:solidFill>
+                  <a:schemeClr val="tx1"/>
+                </a:solidFill>
+                <a:latin typeface="Bahnschrift Light" panose="020B0502040204020203" pitchFamily="34" charset="0"/>
+                <a:cs typeface="Times New Roman" panose="02020603050405020304" pitchFamily="18" charset="0"/>
+              </a:rPr>
+              <a:t> Allocator = allocator&lt;T&gt;&gt;</a:t>
+            </a:r>
+          </a:p>
+          <a:p>
+            <a:pPr marL="457200" lvl="1" indent="0">
+              <a:buNone/>
+            </a:pPr>
+            <a:r>
+              <a:rPr lang="en-US" dirty="0">
+                <a:solidFill>
+                  <a:schemeClr val="tx1"/>
+                </a:solidFill>
+                <a:latin typeface="Bahnschrift Light" panose="020B0502040204020203" pitchFamily="34" charset="0"/>
+                <a:cs typeface="Times New Roman" panose="02020603050405020304" pitchFamily="18" charset="0"/>
+              </a:rPr>
+              <a:t>	class list;</a:t>
+            </a:r>
+          </a:p>
+          <a:p>
+            <a:pPr marL="457200" lvl="1" indent="0">
+              <a:buNone/>
+            </a:pPr>
+            <a:r>
+              <a:rPr lang="en-US" dirty="0">
+                <a:solidFill>
+                  <a:schemeClr val="tx1"/>
+                </a:solidFill>
+                <a:latin typeface="Bahnschrift Light" panose="020B0502040204020203" pitchFamily="34" charset="0"/>
+                <a:cs typeface="Times New Roman" panose="02020603050405020304" pitchFamily="18" charset="0"/>
+              </a:rPr>
+              <a:t>}</a:t>
+            </a:r>
+          </a:p>
+          <a:p>
+            <a:pPr>
+              <a:buFont typeface="Wingdings" panose="05000000000000000000" pitchFamily="2" charset="2"/>
+              <a:buChar char="q"/>
+            </a:pPr>
+            <a:r>
+              <a:rPr lang="en-US" dirty="0">
+                <a:solidFill>
+                  <a:schemeClr val="tx1"/>
+                </a:solidFill>
+                <a:latin typeface="Times New Roman" panose="02020603050405020304" pitchFamily="18" charset="0"/>
+                <a:cs typeface="Times New Roman" panose="02020603050405020304" pitchFamily="18" charset="0"/>
+              </a:rPr>
+              <a:t>List objects itself provided two pointers, so called anchors. Each points to previous and next elements.</a:t>
+            </a:r>
+          </a:p>
+          <a:p>
+            <a:pPr>
+              <a:buFont typeface="Wingdings" panose="05000000000000000000" pitchFamily="2" charset="2"/>
+              <a:buChar char="q"/>
+            </a:pPr>
+            <a:r>
+              <a:rPr lang="en-US" dirty="0">
+                <a:solidFill>
+                  <a:schemeClr val="tx1"/>
+                </a:solidFill>
+                <a:latin typeface="Times New Roman" panose="02020603050405020304" pitchFamily="18" charset="0"/>
+                <a:cs typeface="Times New Roman" panose="02020603050405020304" pitchFamily="18" charset="0"/>
+              </a:rPr>
+              <a:t>A list does not provide random-access iterator, to access elements navigating from 1</a:t>
+            </a:r>
+            <a:r>
+              <a:rPr lang="en-US" baseline="30000" dirty="0">
+                <a:solidFill>
+                  <a:schemeClr val="tx1"/>
+                </a:solidFill>
+                <a:latin typeface="Times New Roman" panose="02020603050405020304" pitchFamily="18" charset="0"/>
+                <a:cs typeface="Times New Roman" panose="02020603050405020304" pitchFamily="18" charset="0"/>
+              </a:rPr>
+              <a:t>st</a:t>
+            </a:r>
+            <a:r>
+              <a:rPr lang="en-US" dirty="0">
+                <a:solidFill>
+                  <a:schemeClr val="tx1"/>
+                </a:solidFill>
+                <a:latin typeface="Times New Roman" panose="02020603050405020304" pitchFamily="18" charset="0"/>
+                <a:cs typeface="Times New Roman" panose="02020603050405020304" pitchFamily="18" charset="0"/>
+              </a:rPr>
+              <a:t> element following chain of links. So, accessing elements is slow.</a:t>
+            </a:r>
+          </a:p>
+          <a:p>
+            <a:pPr>
+              <a:buFont typeface="Wingdings" panose="05000000000000000000" pitchFamily="2" charset="2"/>
+              <a:buChar char="q"/>
+            </a:pPr>
+            <a:r>
+              <a:rPr lang="en-US" dirty="0">
+                <a:solidFill>
+                  <a:schemeClr val="tx1"/>
+                </a:solidFill>
+                <a:latin typeface="Times New Roman" panose="02020603050405020304" pitchFamily="18" charset="0"/>
+                <a:cs typeface="Times New Roman" panose="02020603050405020304" pitchFamily="18" charset="0"/>
+              </a:rPr>
+              <a:t>Inserting and removing elements is fast at each position.</a:t>
+            </a:r>
+          </a:p>
+          <a:p>
+            <a:pPr>
+              <a:buFont typeface="Wingdings" panose="05000000000000000000" pitchFamily="2" charset="2"/>
+              <a:buChar char="q"/>
+            </a:pPr>
+            <a:r>
+              <a:rPr lang="en-US" dirty="0">
+                <a:solidFill>
+                  <a:schemeClr val="tx1"/>
+                </a:solidFill>
+                <a:latin typeface="Times New Roman" panose="02020603050405020304" pitchFamily="18" charset="0"/>
+                <a:cs typeface="Times New Roman" panose="02020603050405020304" pitchFamily="18" charset="0"/>
+              </a:rPr>
+              <a:t>List doesn’t provide random-access iterators.</a:t>
+            </a:r>
+          </a:p>
+          <a:p>
+            <a:pPr>
+              <a:buFont typeface="Wingdings" panose="05000000000000000000" pitchFamily="2" charset="2"/>
+              <a:buChar char="q"/>
+            </a:pPr>
+            <a:endParaRPr lang="en-US" dirty="0">
+              <a:solidFill>
+                <a:schemeClr val="tx1"/>
+              </a:solidFill>
+              <a:latin typeface="Times New Roman" panose="02020603050405020304" pitchFamily="18" charset="0"/>
+              <a:cs typeface="Times New Roman" panose="02020603050405020304" pitchFamily="18" charset="0"/>
+            </a:endParaRPr>
+          </a:p>
+          <a:p>
+            <a:pPr>
+              <a:buFont typeface="Wingdings" panose="05000000000000000000" pitchFamily="2" charset="2"/>
+              <a:buChar char="q"/>
+            </a:pPr>
+            <a:endParaRPr lang="en-US" sz="1600" dirty="0">
+              <a:solidFill>
+                <a:schemeClr val="tx1"/>
+              </a:solidFill>
+              <a:latin typeface="Times New Roman" panose="02020603050405020304" pitchFamily="18" charset="0"/>
+              <a:cs typeface="Times New Roman" panose="02020603050405020304" pitchFamily="18" charset="0"/>
+            </a:endParaRPr>
+          </a:p>
+          <a:p>
+            <a:pPr marL="457200" lvl="1" indent="0">
+              <a:buNone/>
+            </a:pPr>
+            <a:endParaRPr lang="en-US" dirty="0">
+              <a:solidFill>
+                <a:schemeClr val="tx1"/>
+              </a:solidFill>
+              <a:latin typeface="Bahnschrift Light" panose="020B0502040204020203" pitchFamily="34" charset="0"/>
+              <a:cs typeface="Times New Roman" panose="02020603050405020304" pitchFamily="18" charset="0"/>
+            </a:endParaRPr>
+          </a:p>
+        </p:txBody>
+      </p:sp>
+      <p:grpSp>
+        <p:nvGrpSpPr>
+          <p:cNvPr id="5" name="Group 4">
+            <a:extLst>
+              <a:ext uri="{FF2B5EF4-FFF2-40B4-BE49-F238E27FC236}">
+                <a16:creationId xmlns:a16="http://schemas.microsoft.com/office/drawing/2014/main" id="{5EEEC7E9-4A39-BB7B-9FAB-17023E51DFE1}"/>
+              </a:ext>
+            </a:extLst>
+          </p:cNvPr>
+          <p:cNvGrpSpPr/>
+          <p:nvPr/>
+        </p:nvGrpSpPr>
+        <p:grpSpPr>
+          <a:xfrm>
+            <a:off x="6982692" y="1792068"/>
+            <a:ext cx="4060015" cy="410804"/>
+            <a:chOff x="5498969" y="3199964"/>
+            <a:chExt cx="2699906" cy="207390"/>
+          </a:xfrm>
+        </p:grpSpPr>
+        <p:cxnSp>
+          <p:nvCxnSpPr>
+            <p:cNvPr id="8" name="Straight Arrow Connector 7">
+              <a:extLst>
+                <a:ext uri="{FF2B5EF4-FFF2-40B4-BE49-F238E27FC236}">
+                  <a16:creationId xmlns:a16="http://schemas.microsoft.com/office/drawing/2014/main" id="{4EE8E5E1-CEF2-512E-457E-F5ECEDE9C2D3}"/>
+                </a:ext>
+              </a:extLst>
+            </p:cNvPr>
+            <p:cNvCxnSpPr>
+              <a:cxnSpLocks/>
+            </p:cNvCxnSpPr>
+            <p:nvPr/>
+          </p:nvCxnSpPr>
+          <p:spPr>
+            <a:xfrm>
+              <a:off x="6096000" y="3253917"/>
+              <a:ext cx="276520" cy="0"/>
+            </a:xfrm>
+            <a:prstGeom prst="straightConnector1">
+              <a:avLst/>
+            </a:prstGeom>
+            <a:ln>
+              <a:tailEnd type="triangle"/>
+            </a:ln>
+          </p:spPr>
+          <p:style>
+            <a:lnRef idx="1">
+              <a:schemeClr val="dk1"/>
+            </a:lnRef>
+            <a:fillRef idx="0">
+              <a:schemeClr val="dk1"/>
+            </a:fillRef>
+            <a:effectRef idx="0">
+              <a:schemeClr val="dk1"/>
+            </a:effectRef>
+            <a:fontRef idx="minor">
+              <a:schemeClr val="tx1"/>
+            </a:fontRef>
+          </p:style>
+        </p:cxnSp>
+        <p:sp>
+          <p:nvSpPr>
+            <p:cNvPr id="9" name="Rectangle 8">
+              <a:extLst>
+                <a:ext uri="{FF2B5EF4-FFF2-40B4-BE49-F238E27FC236}">
+                  <a16:creationId xmlns:a16="http://schemas.microsoft.com/office/drawing/2014/main" id="{F6ACEABD-DD87-01B5-9F40-9E7C3640D264}"/>
+                </a:ext>
+              </a:extLst>
+            </p:cNvPr>
+            <p:cNvSpPr/>
+            <p:nvPr/>
+          </p:nvSpPr>
+          <p:spPr>
+            <a:xfrm>
+              <a:off x="5775489" y="3199964"/>
+              <a:ext cx="320511" cy="207390"/>
+            </a:xfrm>
+            <a:prstGeom prst="rect">
+              <a:avLst/>
+            </a:prstGeom>
+            <a:solidFill>
+              <a:schemeClr val="accent3">
+                <a:lumMod val="40000"/>
+                <a:lumOff val="60000"/>
+              </a:schemeClr>
+            </a:solidFill>
+          </p:spPr>
+          <p:style>
+            <a:lnRef idx="2">
+              <a:schemeClr val="accent3"/>
+            </a:lnRef>
+            <a:fillRef idx="1">
+              <a:schemeClr val="lt1"/>
+            </a:fillRef>
+            <a:effectRef idx="0">
+              <a:schemeClr val="accent3"/>
+            </a:effectRef>
+            <a:fontRef idx="minor">
+              <a:schemeClr val="dk1"/>
+            </a:fontRef>
+          </p:style>
+          <p:txBody>
+            <a:bodyPr rtlCol="0" anchor="ctr"/>
+            <a:lstStyle/>
+            <a:p>
+              <a:pPr algn="ctr"/>
+              <a:endParaRPr lang="en-US" dirty="0"/>
+            </a:p>
+          </p:txBody>
+        </p:sp>
+        <p:cxnSp>
+          <p:nvCxnSpPr>
+            <p:cNvPr id="10" name="Straight Arrow Connector 9">
+              <a:extLst>
+                <a:ext uri="{FF2B5EF4-FFF2-40B4-BE49-F238E27FC236}">
+                  <a16:creationId xmlns:a16="http://schemas.microsoft.com/office/drawing/2014/main" id="{4D5F6C06-D1BA-9D80-8217-39B0CF8BD9BE}"/>
+                </a:ext>
+              </a:extLst>
+            </p:cNvPr>
+            <p:cNvCxnSpPr>
+              <a:cxnSpLocks/>
+            </p:cNvCxnSpPr>
+            <p:nvPr/>
+          </p:nvCxnSpPr>
+          <p:spPr>
+            <a:xfrm flipH="1">
+              <a:off x="6067719" y="3344157"/>
+              <a:ext cx="276520" cy="0"/>
+            </a:xfrm>
+            <a:prstGeom prst="straightConnector1">
+              <a:avLst/>
+            </a:prstGeom>
+            <a:ln>
+              <a:tailEnd type="triangle"/>
+            </a:ln>
+          </p:spPr>
+          <p:style>
+            <a:lnRef idx="1">
+              <a:schemeClr val="dk1"/>
+            </a:lnRef>
+            <a:fillRef idx="0">
+              <a:schemeClr val="dk1"/>
+            </a:fillRef>
+            <a:effectRef idx="0">
+              <a:schemeClr val="dk1"/>
+            </a:effectRef>
+            <a:fontRef idx="minor">
+              <a:schemeClr val="tx1"/>
+            </a:fontRef>
+          </p:style>
+        </p:cxnSp>
+        <p:cxnSp>
+          <p:nvCxnSpPr>
+            <p:cNvPr id="11" name="Straight Arrow Connector 10">
+              <a:extLst>
+                <a:ext uri="{FF2B5EF4-FFF2-40B4-BE49-F238E27FC236}">
+                  <a16:creationId xmlns:a16="http://schemas.microsoft.com/office/drawing/2014/main" id="{DC344E08-0545-95E1-B2C8-F9F2303EFE01}"/>
+                </a:ext>
+              </a:extLst>
+            </p:cNvPr>
+            <p:cNvCxnSpPr>
+              <a:cxnSpLocks/>
+            </p:cNvCxnSpPr>
+            <p:nvPr/>
+          </p:nvCxnSpPr>
+          <p:spPr>
+            <a:xfrm>
+              <a:off x="5527250" y="3253917"/>
+              <a:ext cx="276520" cy="0"/>
+            </a:xfrm>
+            <a:prstGeom prst="straightConnector1">
+              <a:avLst/>
+            </a:prstGeom>
+            <a:ln>
+              <a:tailEnd type="triangle"/>
+            </a:ln>
+          </p:spPr>
+          <p:style>
+            <a:lnRef idx="1">
+              <a:schemeClr val="dk1"/>
+            </a:lnRef>
+            <a:fillRef idx="0">
+              <a:schemeClr val="dk1"/>
+            </a:fillRef>
+            <a:effectRef idx="0">
+              <a:schemeClr val="dk1"/>
+            </a:effectRef>
+            <a:fontRef idx="minor">
+              <a:schemeClr val="tx1"/>
+            </a:fontRef>
+          </p:style>
+        </p:cxnSp>
+        <p:cxnSp>
+          <p:nvCxnSpPr>
+            <p:cNvPr id="12" name="Straight Arrow Connector 11">
+              <a:extLst>
+                <a:ext uri="{FF2B5EF4-FFF2-40B4-BE49-F238E27FC236}">
+                  <a16:creationId xmlns:a16="http://schemas.microsoft.com/office/drawing/2014/main" id="{38BF454D-0107-778B-CDBF-7B420171125A}"/>
+                </a:ext>
+              </a:extLst>
+            </p:cNvPr>
+            <p:cNvCxnSpPr>
+              <a:cxnSpLocks/>
+            </p:cNvCxnSpPr>
+            <p:nvPr/>
+          </p:nvCxnSpPr>
+          <p:spPr>
+            <a:xfrm flipH="1">
+              <a:off x="5498969" y="3344157"/>
+              <a:ext cx="276520" cy="0"/>
+            </a:xfrm>
+            <a:prstGeom prst="straightConnector1">
+              <a:avLst/>
+            </a:prstGeom>
+            <a:ln>
+              <a:tailEnd type="triangle"/>
+            </a:ln>
+          </p:spPr>
+          <p:style>
+            <a:lnRef idx="1">
+              <a:schemeClr val="dk1"/>
+            </a:lnRef>
+            <a:fillRef idx="0">
+              <a:schemeClr val="dk1"/>
+            </a:fillRef>
+            <a:effectRef idx="0">
+              <a:schemeClr val="dk1"/>
+            </a:effectRef>
+            <a:fontRef idx="minor">
+              <a:schemeClr val="tx1"/>
+            </a:fontRef>
+          </p:style>
+        </p:cxnSp>
+        <p:cxnSp>
+          <p:nvCxnSpPr>
+            <p:cNvPr id="18" name="Straight Arrow Connector 17">
+              <a:extLst>
+                <a:ext uri="{FF2B5EF4-FFF2-40B4-BE49-F238E27FC236}">
+                  <a16:creationId xmlns:a16="http://schemas.microsoft.com/office/drawing/2014/main" id="{5E937AB1-6343-3649-52FF-C3C4ED791FBF}"/>
+                </a:ext>
+              </a:extLst>
+            </p:cNvPr>
+            <p:cNvCxnSpPr>
+              <a:cxnSpLocks/>
+            </p:cNvCxnSpPr>
+            <p:nvPr/>
+          </p:nvCxnSpPr>
+          <p:spPr>
+            <a:xfrm>
+              <a:off x="6705599" y="3253917"/>
+              <a:ext cx="276520" cy="0"/>
+            </a:xfrm>
+            <a:prstGeom prst="straightConnector1">
+              <a:avLst/>
+            </a:prstGeom>
+            <a:ln>
+              <a:tailEnd type="triangle"/>
+            </a:ln>
+          </p:spPr>
+          <p:style>
+            <a:lnRef idx="1">
+              <a:schemeClr val="dk1"/>
+            </a:lnRef>
+            <a:fillRef idx="0">
+              <a:schemeClr val="dk1"/>
+            </a:fillRef>
+            <a:effectRef idx="0">
+              <a:schemeClr val="dk1"/>
+            </a:effectRef>
+            <a:fontRef idx="minor">
+              <a:schemeClr val="tx1"/>
+            </a:fontRef>
+          </p:style>
+        </p:cxnSp>
+        <p:sp>
+          <p:nvSpPr>
+            <p:cNvPr id="19" name="Rectangle 18">
+              <a:extLst>
+                <a:ext uri="{FF2B5EF4-FFF2-40B4-BE49-F238E27FC236}">
+                  <a16:creationId xmlns:a16="http://schemas.microsoft.com/office/drawing/2014/main" id="{A8838058-E356-739C-23E1-5408CD3929A5}"/>
+                </a:ext>
+              </a:extLst>
+            </p:cNvPr>
+            <p:cNvSpPr/>
+            <p:nvPr/>
+          </p:nvSpPr>
+          <p:spPr>
+            <a:xfrm>
+              <a:off x="6385088" y="3199964"/>
+              <a:ext cx="320511" cy="207390"/>
+            </a:xfrm>
+            <a:prstGeom prst="rect">
+              <a:avLst/>
+            </a:prstGeom>
+            <a:solidFill>
+              <a:schemeClr val="accent3">
+                <a:lumMod val="40000"/>
+                <a:lumOff val="60000"/>
+              </a:schemeClr>
+            </a:solidFill>
+          </p:spPr>
+          <p:style>
+            <a:lnRef idx="2">
+              <a:schemeClr val="accent3"/>
+            </a:lnRef>
+            <a:fillRef idx="1">
+              <a:schemeClr val="lt1"/>
+            </a:fillRef>
+            <a:effectRef idx="0">
+              <a:schemeClr val="accent3"/>
+            </a:effectRef>
+            <a:fontRef idx="minor">
+              <a:schemeClr val="dk1"/>
+            </a:fontRef>
+          </p:style>
+          <p:txBody>
+            <a:bodyPr rtlCol="0" anchor="ctr"/>
+            <a:lstStyle/>
+            <a:p>
+              <a:pPr algn="ctr"/>
+              <a:endParaRPr lang="en-US" dirty="0"/>
+            </a:p>
+          </p:txBody>
+        </p:sp>
+        <p:cxnSp>
+          <p:nvCxnSpPr>
+            <p:cNvPr id="20" name="Straight Arrow Connector 19">
+              <a:extLst>
+                <a:ext uri="{FF2B5EF4-FFF2-40B4-BE49-F238E27FC236}">
+                  <a16:creationId xmlns:a16="http://schemas.microsoft.com/office/drawing/2014/main" id="{1CBE45F9-A1AE-11F9-22B1-4489C20F5E04}"/>
+                </a:ext>
+              </a:extLst>
+            </p:cNvPr>
+            <p:cNvCxnSpPr>
+              <a:cxnSpLocks/>
+            </p:cNvCxnSpPr>
+            <p:nvPr/>
+          </p:nvCxnSpPr>
+          <p:spPr>
+            <a:xfrm flipH="1">
+              <a:off x="6677318" y="3344157"/>
+              <a:ext cx="276520" cy="0"/>
+            </a:xfrm>
+            <a:prstGeom prst="straightConnector1">
+              <a:avLst/>
+            </a:prstGeom>
+            <a:ln>
+              <a:tailEnd type="triangle"/>
+            </a:ln>
+          </p:spPr>
+          <p:style>
+            <a:lnRef idx="1">
+              <a:schemeClr val="dk1"/>
+            </a:lnRef>
+            <a:fillRef idx="0">
+              <a:schemeClr val="dk1"/>
+            </a:fillRef>
+            <a:effectRef idx="0">
+              <a:schemeClr val="dk1"/>
+            </a:effectRef>
+            <a:fontRef idx="minor">
+              <a:schemeClr val="tx1"/>
+            </a:fontRef>
+          </p:style>
+        </p:cxnSp>
+        <p:cxnSp>
+          <p:nvCxnSpPr>
+            <p:cNvPr id="21" name="Straight Arrow Connector 20">
+              <a:extLst>
+                <a:ext uri="{FF2B5EF4-FFF2-40B4-BE49-F238E27FC236}">
+                  <a16:creationId xmlns:a16="http://schemas.microsoft.com/office/drawing/2014/main" id="{52923916-E89F-F070-4308-261D59BA5F22}"/>
+                </a:ext>
+              </a:extLst>
+            </p:cNvPr>
+            <p:cNvCxnSpPr>
+              <a:cxnSpLocks/>
+            </p:cNvCxnSpPr>
+            <p:nvPr/>
+          </p:nvCxnSpPr>
+          <p:spPr>
+            <a:xfrm>
+              <a:off x="7312756" y="3253917"/>
+              <a:ext cx="276520" cy="0"/>
+            </a:xfrm>
+            <a:prstGeom prst="straightConnector1">
+              <a:avLst/>
+            </a:prstGeom>
+            <a:ln>
+              <a:tailEnd type="triangle"/>
+            </a:ln>
+          </p:spPr>
+          <p:style>
+            <a:lnRef idx="1">
+              <a:schemeClr val="dk1"/>
+            </a:lnRef>
+            <a:fillRef idx="0">
+              <a:schemeClr val="dk1"/>
+            </a:fillRef>
+            <a:effectRef idx="0">
+              <a:schemeClr val="dk1"/>
+            </a:effectRef>
+            <a:fontRef idx="minor">
+              <a:schemeClr val="tx1"/>
+            </a:fontRef>
+          </p:style>
+        </p:cxnSp>
+        <p:sp>
+          <p:nvSpPr>
+            <p:cNvPr id="22" name="Rectangle 21">
+              <a:extLst>
+                <a:ext uri="{FF2B5EF4-FFF2-40B4-BE49-F238E27FC236}">
+                  <a16:creationId xmlns:a16="http://schemas.microsoft.com/office/drawing/2014/main" id="{FA7AE75A-0B99-762F-5C04-DE40A51AB9D5}"/>
+                </a:ext>
+              </a:extLst>
+            </p:cNvPr>
+            <p:cNvSpPr/>
+            <p:nvPr/>
+          </p:nvSpPr>
+          <p:spPr>
+            <a:xfrm>
+              <a:off x="6992245" y="3199964"/>
+              <a:ext cx="320511" cy="207390"/>
+            </a:xfrm>
+            <a:prstGeom prst="rect">
+              <a:avLst/>
+            </a:prstGeom>
+            <a:solidFill>
+              <a:schemeClr val="accent3">
+                <a:lumMod val="40000"/>
+                <a:lumOff val="60000"/>
+              </a:schemeClr>
+            </a:solidFill>
+          </p:spPr>
+          <p:style>
+            <a:lnRef idx="2">
+              <a:schemeClr val="accent3"/>
+            </a:lnRef>
+            <a:fillRef idx="1">
+              <a:schemeClr val="lt1"/>
+            </a:fillRef>
+            <a:effectRef idx="0">
+              <a:schemeClr val="accent3"/>
+            </a:effectRef>
+            <a:fontRef idx="minor">
+              <a:schemeClr val="dk1"/>
+            </a:fontRef>
+          </p:style>
+          <p:txBody>
+            <a:bodyPr rtlCol="0" anchor="ctr"/>
+            <a:lstStyle/>
+            <a:p>
+              <a:pPr algn="ctr"/>
+              <a:endParaRPr lang="en-US" dirty="0"/>
+            </a:p>
+          </p:txBody>
+        </p:sp>
+        <p:cxnSp>
+          <p:nvCxnSpPr>
+            <p:cNvPr id="23" name="Straight Arrow Connector 22">
+              <a:extLst>
+                <a:ext uri="{FF2B5EF4-FFF2-40B4-BE49-F238E27FC236}">
+                  <a16:creationId xmlns:a16="http://schemas.microsoft.com/office/drawing/2014/main" id="{2F019BE5-42DD-C215-0B83-43BCC48D5B55}"/>
+                </a:ext>
+              </a:extLst>
+            </p:cNvPr>
+            <p:cNvCxnSpPr>
+              <a:cxnSpLocks/>
+            </p:cNvCxnSpPr>
+            <p:nvPr/>
+          </p:nvCxnSpPr>
+          <p:spPr>
+            <a:xfrm flipH="1">
+              <a:off x="7284475" y="3344157"/>
+              <a:ext cx="276520" cy="0"/>
+            </a:xfrm>
+            <a:prstGeom prst="straightConnector1">
+              <a:avLst/>
+            </a:prstGeom>
+            <a:ln>
+              <a:tailEnd type="triangle"/>
+            </a:ln>
+          </p:spPr>
+          <p:style>
+            <a:lnRef idx="1">
+              <a:schemeClr val="dk1"/>
+            </a:lnRef>
+            <a:fillRef idx="0">
+              <a:schemeClr val="dk1"/>
+            </a:fillRef>
+            <a:effectRef idx="0">
+              <a:schemeClr val="dk1"/>
+            </a:effectRef>
+            <a:fontRef idx="minor">
+              <a:schemeClr val="tx1"/>
+            </a:fontRef>
+          </p:style>
+        </p:cxnSp>
+        <p:cxnSp>
+          <p:nvCxnSpPr>
+            <p:cNvPr id="24" name="Straight Arrow Connector 23">
+              <a:extLst>
+                <a:ext uri="{FF2B5EF4-FFF2-40B4-BE49-F238E27FC236}">
+                  <a16:creationId xmlns:a16="http://schemas.microsoft.com/office/drawing/2014/main" id="{81F06550-CEE7-2FC7-BE2F-5B9B55035F8D}"/>
+                </a:ext>
+              </a:extLst>
+            </p:cNvPr>
+            <p:cNvCxnSpPr>
+              <a:cxnSpLocks/>
+            </p:cNvCxnSpPr>
+            <p:nvPr/>
+          </p:nvCxnSpPr>
+          <p:spPr>
+            <a:xfrm>
+              <a:off x="7922355" y="3253917"/>
+              <a:ext cx="276520" cy="0"/>
+            </a:xfrm>
+            <a:prstGeom prst="straightConnector1">
+              <a:avLst/>
+            </a:prstGeom>
+            <a:ln>
+              <a:tailEnd type="triangle"/>
+            </a:ln>
+          </p:spPr>
+          <p:style>
+            <a:lnRef idx="1">
+              <a:schemeClr val="dk1"/>
+            </a:lnRef>
+            <a:fillRef idx="0">
+              <a:schemeClr val="dk1"/>
+            </a:fillRef>
+            <a:effectRef idx="0">
+              <a:schemeClr val="dk1"/>
+            </a:effectRef>
+            <a:fontRef idx="minor">
+              <a:schemeClr val="tx1"/>
+            </a:fontRef>
+          </p:style>
+        </p:cxnSp>
+        <p:sp>
+          <p:nvSpPr>
+            <p:cNvPr id="25" name="Rectangle 24">
+              <a:extLst>
+                <a:ext uri="{FF2B5EF4-FFF2-40B4-BE49-F238E27FC236}">
+                  <a16:creationId xmlns:a16="http://schemas.microsoft.com/office/drawing/2014/main" id="{0DF9280B-499C-08A4-366B-015D722D048A}"/>
+                </a:ext>
+              </a:extLst>
+            </p:cNvPr>
+            <p:cNvSpPr/>
+            <p:nvPr/>
+          </p:nvSpPr>
+          <p:spPr>
+            <a:xfrm>
+              <a:off x="7601844" y="3199964"/>
+              <a:ext cx="320511" cy="207390"/>
+            </a:xfrm>
+            <a:prstGeom prst="rect">
+              <a:avLst/>
+            </a:prstGeom>
+            <a:solidFill>
+              <a:schemeClr val="accent3">
+                <a:lumMod val="40000"/>
+                <a:lumOff val="60000"/>
+              </a:schemeClr>
+            </a:solidFill>
+          </p:spPr>
+          <p:style>
+            <a:lnRef idx="2">
+              <a:schemeClr val="accent3"/>
+            </a:lnRef>
+            <a:fillRef idx="1">
+              <a:schemeClr val="lt1"/>
+            </a:fillRef>
+            <a:effectRef idx="0">
+              <a:schemeClr val="accent3"/>
+            </a:effectRef>
+            <a:fontRef idx="minor">
+              <a:schemeClr val="dk1"/>
+            </a:fontRef>
+          </p:style>
+          <p:txBody>
+            <a:bodyPr rtlCol="0" anchor="ctr"/>
+            <a:lstStyle/>
+            <a:p>
+              <a:pPr algn="ctr"/>
+              <a:endParaRPr lang="en-US" dirty="0"/>
+            </a:p>
+          </p:txBody>
+        </p:sp>
+        <p:cxnSp>
+          <p:nvCxnSpPr>
+            <p:cNvPr id="26" name="Straight Arrow Connector 25">
+              <a:extLst>
+                <a:ext uri="{FF2B5EF4-FFF2-40B4-BE49-F238E27FC236}">
+                  <a16:creationId xmlns:a16="http://schemas.microsoft.com/office/drawing/2014/main" id="{2C09F9AC-9B8A-3801-C956-F434FBBBD730}"/>
+                </a:ext>
+              </a:extLst>
+            </p:cNvPr>
+            <p:cNvCxnSpPr>
+              <a:cxnSpLocks/>
+            </p:cNvCxnSpPr>
+            <p:nvPr/>
+          </p:nvCxnSpPr>
+          <p:spPr>
+            <a:xfrm flipH="1">
+              <a:off x="7894074" y="3344157"/>
+              <a:ext cx="276520" cy="0"/>
+            </a:xfrm>
+            <a:prstGeom prst="straightConnector1">
+              <a:avLst/>
+            </a:prstGeom>
+            <a:ln>
+              <a:tailEnd type="triangle"/>
+            </a:ln>
+          </p:spPr>
+          <p:style>
+            <a:lnRef idx="1">
+              <a:schemeClr val="dk1"/>
+            </a:lnRef>
+            <a:fillRef idx="0">
+              <a:schemeClr val="dk1"/>
+            </a:fillRef>
+            <a:effectRef idx="0">
+              <a:schemeClr val="dk1"/>
+            </a:effectRef>
+            <a:fontRef idx="minor">
+              <a:schemeClr val="tx1"/>
+            </a:fontRef>
+          </p:style>
+        </p:cxnSp>
+      </p:grpSp>
+      <p:grpSp>
+        <p:nvGrpSpPr>
+          <p:cNvPr id="60" name="Group 59">
+            <a:extLst>
+              <a:ext uri="{FF2B5EF4-FFF2-40B4-BE49-F238E27FC236}">
+                <a16:creationId xmlns:a16="http://schemas.microsoft.com/office/drawing/2014/main" id="{80CE07AA-1DFA-EBB1-5D8E-2CC63506ED26}"/>
+              </a:ext>
+            </a:extLst>
+          </p:cNvPr>
+          <p:cNvGrpSpPr/>
+          <p:nvPr/>
+        </p:nvGrpSpPr>
+        <p:grpSpPr>
+          <a:xfrm>
+            <a:off x="9374154" y="4387629"/>
+            <a:ext cx="1348509" cy="975593"/>
+            <a:chOff x="1394718" y="5280508"/>
+            <a:chExt cx="1348509" cy="975593"/>
+          </a:xfrm>
+        </p:grpSpPr>
+        <p:grpSp>
+          <p:nvGrpSpPr>
+            <p:cNvPr id="58" name="Group 57">
+              <a:extLst>
+                <a:ext uri="{FF2B5EF4-FFF2-40B4-BE49-F238E27FC236}">
+                  <a16:creationId xmlns:a16="http://schemas.microsoft.com/office/drawing/2014/main" id="{77DF509B-9C56-F31B-42D6-59A68206E9D1}"/>
+                </a:ext>
+              </a:extLst>
+            </p:cNvPr>
+            <p:cNvGrpSpPr/>
+            <p:nvPr/>
+          </p:nvGrpSpPr>
+          <p:grpSpPr>
+            <a:xfrm>
+              <a:off x="1440873" y="5280508"/>
+              <a:ext cx="1182254" cy="593819"/>
+              <a:chOff x="1440873" y="5280508"/>
+              <a:chExt cx="2199842" cy="967892"/>
+            </a:xfrm>
+          </p:grpSpPr>
+          <p:sp>
+            <p:nvSpPr>
+              <p:cNvPr id="32" name="Rectangle 31">
+                <a:extLst>
+                  <a:ext uri="{FF2B5EF4-FFF2-40B4-BE49-F238E27FC236}">
+                    <a16:creationId xmlns:a16="http://schemas.microsoft.com/office/drawing/2014/main" id="{D9176754-C5D0-A205-57B4-A1FD528D6EFE}"/>
+                  </a:ext>
+                </a:extLst>
+              </p:cNvPr>
+              <p:cNvSpPr/>
+              <p:nvPr/>
+            </p:nvSpPr>
+            <p:spPr>
+              <a:xfrm>
+                <a:off x="1733300" y="5280508"/>
+                <a:ext cx="338948" cy="275767"/>
+              </a:xfrm>
+              <a:prstGeom prst="rect">
+                <a:avLst/>
+              </a:prstGeom>
+              <a:solidFill>
+                <a:schemeClr val="accent3">
+                  <a:lumMod val="40000"/>
+                  <a:lumOff val="60000"/>
+                </a:schemeClr>
+              </a:solidFill>
+            </p:spPr>
+            <p:style>
+              <a:lnRef idx="2">
+                <a:schemeClr val="accent3"/>
+              </a:lnRef>
+              <a:fillRef idx="1">
+                <a:schemeClr val="lt1"/>
+              </a:fillRef>
+              <a:effectRef idx="0">
+                <a:schemeClr val="accent3"/>
+              </a:effectRef>
+              <a:fontRef idx="minor">
+                <a:schemeClr val="dk1"/>
+              </a:fontRef>
+            </p:style>
+            <p:txBody>
+              <a:bodyPr rtlCol="0" anchor="ctr"/>
+              <a:lstStyle/>
+              <a:p>
+                <a:pPr algn="ctr"/>
+                <a:endParaRPr lang="en-US" dirty="0"/>
+              </a:p>
+            </p:txBody>
+          </p:sp>
+          <p:cxnSp>
+            <p:nvCxnSpPr>
+              <p:cNvPr id="34" name="Straight Arrow Connector 33">
+                <a:extLst>
+                  <a:ext uri="{FF2B5EF4-FFF2-40B4-BE49-F238E27FC236}">
+                    <a16:creationId xmlns:a16="http://schemas.microsoft.com/office/drawing/2014/main" id="{CBAB3464-3849-C7F4-E38E-25CD5193B683}"/>
+                  </a:ext>
+                </a:extLst>
+              </p:cNvPr>
+              <p:cNvCxnSpPr>
+                <a:cxnSpLocks/>
+              </p:cNvCxnSpPr>
+              <p:nvPr/>
+            </p:nvCxnSpPr>
+            <p:spPr>
+              <a:xfrm>
+                <a:off x="1470781" y="5352250"/>
+                <a:ext cx="292427" cy="0"/>
+              </a:xfrm>
+              <a:prstGeom prst="straightConnector1">
+                <a:avLst/>
+              </a:prstGeom>
+              <a:ln>
+                <a:tailEnd type="triangle"/>
+              </a:ln>
+            </p:spPr>
+            <p:style>
+              <a:lnRef idx="1">
+                <a:schemeClr val="dk1"/>
+              </a:lnRef>
+              <a:fillRef idx="0">
+                <a:schemeClr val="dk1"/>
+              </a:fillRef>
+              <a:effectRef idx="0">
+                <a:schemeClr val="dk1"/>
+              </a:effectRef>
+              <a:fontRef idx="minor">
+                <a:schemeClr val="tx1"/>
+              </a:fontRef>
+            </p:style>
+          </p:cxnSp>
+          <p:cxnSp>
+            <p:nvCxnSpPr>
+              <p:cNvPr id="35" name="Straight Arrow Connector 34">
+                <a:extLst>
+                  <a:ext uri="{FF2B5EF4-FFF2-40B4-BE49-F238E27FC236}">
+                    <a16:creationId xmlns:a16="http://schemas.microsoft.com/office/drawing/2014/main" id="{65109405-D6AC-4E6F-0F81-A3E74452FDEA}"/>
+                  </a:ext>
+                </a:extLst>
+              </p:cNvPr>
+              <p:cNvCxnSpPr>
+                <a:cxnSpLocks/>
+              </p:cNvCxnSpPr>
+              <p:nvPr/>
+            </p:nvCxnSpPr>
+            <p:spPr>
+              <a:xfrm flipH="1">
+                <a:off x="1440873" y="5472242"/>
+                <a:ext cx="292427" cy="0"/>
+              </a:xfrm>
+              <a:prstGeom prst="straightConnector1">
+                <a:avLst/>
+              </a:prstGeom>
+              <a:ln>
+                <a:tailEnd type="triangle"/>
+              </a:ln>
+            </p:spPr>
+            <p:style>
+              <a:lnRef idx="1">
+                <a:schemeClr val="dk1"/>
+              </a:lnRef>
+              <a:fillRef idx="0">
+                <a:schemeClr val="dk1"/>
+              </a:fillRef>
+              <a:effectRef idx="0">
+                <a:schemeClr val="dk1"/>
+              </a:effectRef>
+              <a:fontRef idx="minor">
+                <a:schemeClr val="tx1"/>
+              </a:fontRef>
+            </p:style>
+          </p:cxnSp>
+          <p:cxnSp>
+            <p:nvCxnSpPr>
+              <p:cNvPr id="42" name="Straight Arrow Connector 41">
+                <a:extLst>
+                  <a:ext uri="{FF2B5EF4-FFF2-40B4-BE49-F238E27FC236}">
+                    <a16:creationId xmlns:a16="http://schemas.microsoft.com/office/drawing/2014/main" id="{6EE19AA6-83C2-CF80-E8A9-494C068B8A79}"/>
+                  </a:ext>
+                </a:extLst>
+              </p:cNvPr>
+              <p:cNvCxnSpPr>
+                <a:cxnSpLocks/>
+              </p:cNvCxnSpPr>
+              <p:nvPr/>
+            </p:nvCxnSpPr>
+            <p:spPr>
+              <a:xfrm>
+                <a:off x="3348288" y="5352250"/>
+                <a:ext cx="292427" cy="0"/>
+              </a:xfrm>
+              <a:prstGeom prst="straightConnector1">
+                <a:avLst/>
+              </a:prstGeom>
+              <a:ln>
+                <a:tailEnd type="triangle"/>
+              </a:ln>
+            </p:spPr>
+            <p:style>
+              <a:lnRef idx="1">
+                <a:schemeClr val="dk1"/>
+              </a:lnRef>
+              <a:fillRef idx="0">
+                <a:schemeClr val="dk1"/>
+              </a:fillRef>
+              <a:effectRef idx="0">
+                <a:schemeClr val="dk1"/>
+              </a:effectRef>
+              <a:fontRef idx="minor">
+                <a:schemeClr val="tx1"/>
+              </a:fontRef>
+            </p:style>
+          </p:cxnSp>
+          <p:sp>
+            <p:nvSpPr>
+              <p:cNvPr id="43" name="Rectangle 42">
+                <a:extLst>
+                  <a:ext uri="{FF2B5EF4-FFF2-40B4-BE49-F238E27FC236}">
+                    <a16:creationId xmlns:a16="http://schemas.microsoft.com/office/drawing/2014/main" id="{7E3E85DE-E45B-3F1B-F0A2-522F860F30C7}"/>
+                  </a:ext>
+                </a:extLst>
+              </p:cNvPr>
+              <p:cNvSpPr/>
+              <p:nvPr/>
+            </p:nvSpPr>
+            <p:spPr>
+              <a:xfrm>
+                <a:off x="3009340" y="5280508"/>
+                <a:ext cx="338948" cy="275767"/>
+              </a:xfrm>
+              <a:prstGeom prst="rect">
+                <a:avLst/>
+              </a:prstGeom>
+              <a:solidFill>
+                <a:schemeClr val="accent3">
+                  <a:lumMod val="40000"/>
+                  <a:lumOff val="60000"/>
+                </a:schemeClr>
+              </a:solidFill>
+            </p:spPr>
+            <p:style>
+              <a:lnRef idx="2">
+                <a:schemeClr val="accent3"/>
+              </a:lnRef>
+              <a:fillRef idx="1">
+                <a:schemeClr val="lt1"/>
+              </a:fillRef>
+              <a:effectRef idx="0">
+                <a:schemeClr val="accent3"/>
+              </a:effectRef>
+              <a:fontRef idx="minor">
+                <a:schemeClr val="dk1"/>
+              </a:fontRef>
+            </p:style>
+            <p:txBody>
+              <a:bodyPr rtlCol="0" anchor="ctr"/>
+              <a:lstStyle/>
+              <a:p>
+                <a:pPr algn="ctr"/>
+                <a:endParaRPr lang="en-US" dirty="0"/>
+              </a:p>
+            </p:txBody>
+          </p:sp>
+          <p:cxnSp>
+            <p:nvCxnSpPr>
+              <p:cNvPr id="44" name="Straight Arrow Connector 43">
+                <a:extLst>
+                  <a:ext uri="{FF2B5EF4-FFF2-40B4-BE49-F238E27FC236}">
+                    <a16:creationId xmlns:a16="http://schemas.microsoft.com/office/drawing/2014/main" id="{4205D1B3-DF15-0E7B-00DE-D84853D40934}"/>
+                  </a:ext>
+                </a:extLst>
+              </p:cNvPr>
+              <p:cNvCxnSpPr>
+                <a:cxnSpLocks/>
+              </p:cNvCxnSpPr>
+              <p:nvPr/>
+            </p:nvCxnSpPr>
+            <p:spPr>
+              <a:xfrm flipH="1">
+                <a:off x="3318381" y="5472242"/>
+                <a:ext cx="292427" cy="0"/>
+              </a:xfrm>
+              <a:prstGeom prst="straightConnector1">
+                <a:avLst/>
+              </a:prstGeom>
+              <a:ln>
+                <a:tailEnd type="triangle"/>
+              </a:ln>
+            </p:spPr>
+            <p:style>
+              <a:lnRef idx="1">
+                <a:schemeClr val="dk1"/>
+              </a:lnRef>
+              <a:fillRef idx="0">
+                <a:schemeClr val="dk1"/>
+              </a:fillRef>
+              <a:effectRef idx="0">
+                <a:schemeClr val="dk1"/>
+              </a:effectRef>
+              <a:fontRef idx="minor">
+                <a:schemeClr val="tx1"/>
+              </a:fontRef>
+            </p:style>
+          </p:cxnSp>
+          <p:sp>
+            <p:nvSpPr>
+              <p:cNvPr id="46" name="Rectangle 45">
+                <a:extLst>
+                  <a:ext uri="{FF2B5EF4-FFF2-40B4-BE49-F238E27FC236}">
+                    <a16:creationId xmlns:a16="http://schemas.microsoft.com/office/drawing/2014/main" id="{D45DFC13-7B62-9726-802C-C6B1B0584673}"/>
+                  </a:ext>
+                </a:extLst>
+              </p:cNvPr>
+              <p:cNvSpPr/>
+              <p:nvPr/>
+            </p:nvSpPr>
+            <p:spPr>
+              <a:xfrm>
+                <a:off x="2364674" y="5972633"/>
+                <a:ext cx="338948" cy="275767"/>
+              </a:xfrm>
+              <a:prstGeom prst="rect">
+                <a:avLst/>
+              </a:prstGeom>
+              <a:solidFill>
+                <a:schemeClr val="accent3">
+                  <a:lumMod val="40000"/>
+                  <a:lumOff val="60000"/>
+                </a:schemeClr>
+              </a:solidFill>
+            </p:spPr>
+            <p:style>
+              <a:lnRef idx="2">
+                <a:schemeClr val="accent3"/>
+              </a:lnRef>
+              <a:fillRef idx="1">
+                <a:schemeClr val="lt1"/>
+              </a:fillRef>
+              <a:effectRef idx="0">
+                <a:schemeClr val="accent3"/>
+              </a:effectRef>
+              <a:fontRef idx="minor">
+                <a:schemeClr val="dk1"/>
+              </a:fontRef>
+            </p:style>
+            <p:txBody>
+              <a:bodyPr rtlCol="0" anchor="ctr"/>
+              <a:lstStyle/>
+              <a:p>
+                <a:pPr algn="ctr"/>
+                <a:endParaRPr lang="en-US" dirty="0"/>
+              </a:p>
+            </p:txBody>
+          </p:sp>
+          <p:cxnSp>
+            <p:nvCxnSpPr>
+              <p:cNvPr id="48" name="Straight Arrow Connector 47">
+                <a:extLst>
+                  <a:ext uri="{FF2B5EF4-FFF2-40B4-BE49-F238E27FC236}">
+                    <a16:creationId xmlns:a16="http://schemas.microsoft.com/office/drawing/2014/main" id="{FFB964C6-7027-F2FC-0444-3CA4BFB34911}"/>
+                  </a:ext>
+                </a:extLst>
+              </p:cNvPr>
+              <p:cNvCxnSpPr>
+                <a:cxnSpLocks/>
+              </p:cNvCxnSpPr>
+              <p:nvPr/>
+            </p:nvCxnSpPr>
+            <p:spPr>
+              <a:xfrm>
+                <a:off x="2085541" y="5352250"/>
+                <a:ext cx="336073" cy="620383"/>
+              </a:xfrm>
+              <a:prstGeom prst="straightConnector1">
+                <a:avLst/>
+              </a:prstGeom>
+              <a:ln>
+                <a:tailEnd type="triangle"/>
+              </a:ln>
+            </p:spPr>
+            <p:style>
+              <a:lnRef idx="1">
+                <a:schemeClr val="dk1"/>
+              </a:lnRef>
+              <a:fillRef idx="0">
+                <a:schemeClr val="dk1"/>
+              </a:fillRef>
+              <a:effectRef idx="0">
+                <a:schemeClr val="dk1"/>
+              </a:effectRef>
+              <a:fontRef idx="minor">
+                <a:schemeClr val="tx1"/>
+              </a:fontRef>
+            </p:style>
+          </p:cxnSp>
+          <p:cxnSp>
+            <p:nvCxnSpPr>
+              <p:cNvPr id="50" name="Straight Arrow Connector 49">
+                <a:extLst>
+                  <a:ext uri="{FF2B5EF4-FFF2-40B4-BE49-F238E27FC236}">
+                    <a16:creationId xmlns:a16="http://schemas.microsoft.com/office/drawing/2014/main" id="{F44E755F-AE34-908C-9E7D-0217E9DFD7D4}"/>
+                  </a:ext>
+                </a:extLst>
+              </p:cNvPr>
+              <p:cNvCxnSpPr>
+                <a:cxnSpLocks/>
+              </p:cNvCxnSpPr>
+              <p:nvPr/>
+            </p:nvCxnSpPr>
+            <p:spPr>
+              <a:xfrm flipH="1" flipV="1">
+                <a:off x="2015308" y="5556275"/>
+                <a:ext cx="349366" cy="593828"/>
+              </a:xfrm>
+              <a:prstGeom prst="straightConnector1">
+                <a:avLst/>
+              </a:prstGeom>
+              <a:ln>
+                <a:tailEnd type="triangle"/>
+              </a:ln>
+            </p:spPr>
+            <p:style>
+              <a:lnRef idx="1">
+                <a:schemeClr val="dk1"/>
+              </a:lnRef>
+              <a:fillRef idx="0">
+                <a:schemeClr val="dk1"/>
+              </a:fillRef>
+              <a:effectRef idx="0">
+                <a:schemeClr val="dk1"/>
+              </a:effectRef>
+              <a:fontRef idx="minor">
+                <a:schemeClr val="tx1"/>
+              </a:fontRef>
+            </p:style>
+          </p:cxnSp>
+          <p:cxnSp>
+            <p:nvCxnSpPr>
+              <p:cNvPr id="54" name="Straight Arrow Connector 53">
+                <a:extLst>
+                  <a:ext uri="{FF2B5EF4-FFF2-40B4-BE49-F238E27FC236}">
+                    <a16:creationId xmlns:a16="http://schemas.microsoft.com/office/drawing/2014/main" id="{A8A40CA7-8FF4-4234-B01A-A7F232A097E6}"/>
+                  </a:ext>
+                </a:extLst>
+              </p:cNvPr>
+              <p:cNvCxnSpPr>
+                <a:cxnSpLocks/>
+              </p:cNvCxnSpPr>
+              <p:nvPr/>
+            </p:nvCxnSpPr>
+            <p:spPr>
+              <a:xfrm flipV="1">
+                <a:off x="2609590" y="5352250"/>
+                <a:ext cx="373165" cy="631521"/>
+              </a:xfrm>
+              <a:prstGeom prst="straightConnector1">
+                <a:avLst/>
+              </a:prstGeom>
+              <a:ln>
+                <a:tailEnd type="triangle"/>
+              </a:ln>
+            </p:spPr>
+            <p:style>
+              <a:lnRef idx="1">
+                <a:schemeClr val="dk1"/>
+              </a:lnRef>
+              <a:fillRef idx="0">
+                <a:schemeClr val="dk1"/>
+              </a:fillRef>
+              <a:effectRef idx="0">
+                <a:schemeClr val="dk1"/>
+              </a:effectRef>
+              <a:fontRef idx="minor">
+                <a:schemeClr val="tx1"/>
+              </a:fontRef>
+            </p:style>
+          </p:cxnSp>
+          <p:cxnSp>
+            <p:nvCxnSpPr>
+              <p:cNvPr id="56" name="Straight Arrow Connector 55">
+                <a:extLst>
+                  <a:ext uri="{FF2B5EF4-FFF2-40B4-BE49-F238E27FC236}">
+                    <a16:creationId xmlns:a16="http://schemas.microsoft.com/office/drawing/2014/main" id="{75B5D961-99BF-EB60-3ECA-36EA7FF56779}"/>
+                  </a:ext>
+                </a:extLst>
+              </p:cNvPr>
+              <p:cNvCxnSpPr>
+                <a:cxnSpLocks/>
+              </p:cNvCxnSpPr>
+              <p:nvPr/>
+            </p:nvCxnSpPr>
+            <p:spPr>
+              <a:xfrm flipH="1">
+                <a:off x="2730207" y="5548253"/>
+                <a:ext cx="399272" cy="562263"/>
+              </a:xfrm>
+              <a:prstGeom prst="straightConnector1">
+                <a:avLst/>
+              </a:prstGeom>
+              <a:ln>
+                <a:tailEnd type="triangle"/>
+              </a:ln>
+            </p:spPr>
+            <p:style>
+              <a:lnRef idx="1">
+                <a:schemeClr val="dk1"/>
+              </a:lnRef>
+              <a:fillRef idx="0">
+                <a:schemeClr val="dk1"/>
+              </a:fillRef>
+              <a:effectRef idx="0">
+                <a:schemeClr val="dk1"/>
+              </a:effectRef>
+              <a:fontRef idx="minor">
+                <a:schemeClr val="tx1"/>
+              </a:fontRef>
+            </p:style>
+          </p:cxnSp>
+        </p:grpSp>
+        <p:sp>
+          <p:nvSpPr>
+            <p:cNvPr id="59" name="TextBox 58">
+              <a:extLst>
+                <a:ext uri="{FF2B5EF4-FFF2-40B4-BE49-F238E27FC236}">
+                  <a16:creationId xmlns:a16="http://schemas.microsoft.com/office/drawing/2014/main" id="{E90E37DD-B466-6443-0EA3-9007D6971856}"/>
+                </a:ext>
+              </a:extLst>
+            </p:cNvPr>
+            <p:cNvSpPr txBox="1"/>
+            <p:nvPr/>
+          </p:nvSpPr>
+          <p:spPr>
+            <a:xfrm>
+              <a:off x="1394718" y="5994491"/>
+              <a:ext cx="1348509" cy="261610"/>
+            </a:xfrm>
+            <a:prstGeom prst="rect">
+              <a:avLst/>
+            </a:prstGeom>
+            <a:noFill/>
+          </p:spPr>
+          <p:txBody>
+            <a:bodyPr wrap="square" rtlCol="0">
+              <a:spAutoFit/>
+            </a:bodyPr>
+            <a:lstStyle/>
+            <a:p>
+              <a:r>
+                <a:rPr lang="en-US" sz="1100" dirty="0"/>
+                <a:t>Inserting Element</a:t>
+              </a:r>
+            </a:p>
+          </p:txBody>
+        </p:sp>
+      </p:grpSp>
+      <p:grpSp>
+        <p:nvGrpSpPr>
+          <p:cNvPr id="96" name="Group 95">
+            <a:extLst>
+              <a:ext uri="{FF2B5EF4-FFF2-40B4-BE49-F238E27FC236}">
+                <a16:creationId xmlns:a16="http://schemas.microsoft.com/office/drawing/2014/main" id="{3BEEE3B1-15B8-5947-EE8F-A0D82A393CBD}"/>
+              </a:ext>
+            </a:extLst>
+          </p:cNvPr>
+          <p:cNvGrpSpPr/>
+          <p:nvPr/>
+        </p:nvGrpSpPr>
+        <p:grpSpPr>
+          <a:xfrm>
+            <a:off x="9005086" y="5669234"/>
+            <a:ext cx="2281381" cy="855638"/>
+            <a:chOff x="9005086" y="5669234"/>
+            <a:chExt cx="2281381" cy="855638"/>
+          </a:xfrm>
+        </p:grpSpPr>
+        <p:cxnSp>
+          <p:nvCxnSpPr>
+            <p:cNvPr id="91" name="Straight Arrow Connector 90">
+              <a:extLst>
+                <a:ext uri="{FF2B5EF4-FFF2-40B4-BE49-F238E27FC236}">
+                  <a16:creationId xmlns:a16="http://schemas.microsoft.com/office/drawing/2014/main" id="{B5AB57F7-0DE7-3443-8343-60419F28B791}"/>
+                </a:ext>
+              </a:extLst>
+            </p:cNvPr>
+            <p:cNvCxnSpPr>
+              <a:endCxn id="85" idx="1"/>
+            </p:cNvCxnSpPr>
+            <p:nvPr/>
+          </p:nvCxnSpPr>
+          <p:spPr>
+            <a:xfrm>
+              <a:off x="9509568" y="5892751"/>
+              <a:ext cx="757314" cy="0"/>
+            </a:xfrm>
+            <a:prstGeom prst="straightConnector1">
+              <a:avLst/>
+            </a:prstGeom>
+            <a:ln>
+              <a:tailEnd type="triangle"/>
+            </a:ln>
+          </p:spPr>
+          <p:style>
+            <a:lnRef idx="1">
+              <a:schemeClr val="dk1"/>
+            </a:lnRef>
+            <a:fillRef idx="0">
+              <a:schemeClr val="dk1"/>
+            </a:fillRef>
+            <a:effectRef idx="0">
+              <a:schemeClr val="dk1"/>
+            </a:effectRef>
+            <a:fontRef idx="minor">
+              <a:schemeClr val="tx1"/>
+            </a:fontRef>
+          </p:style>
+        </p:cxnSp>
+        <p:cxnSp>
+          <p:nvCxnSpPr>
+            <p:cNvPr id="93" name="Straight Arrow Connector 92">
+              <a:extLst>
+                <a:ext uri="{FF2B5EF4-FFF2-40B4-BE49-F238E27FC236}">
+                  <a16:creationId xmlns:a16="http://schemas.microsoft.com/office/drawing/2014/main" id="{4C08C4A1-1067-9012-DCA5-1E042EA3630A}"/>
+                </a:ext>
+              </a:extLst>
+            </p:cNvPr>
+            <p:cNvCxnSpPr>
+              <a:cxnSpLocks/>
+            </p:cNvCxnSpPr>
+            <p:nvPr/>
+          </p:nvCxnSpPr>
+          <p:spPr>
+            <a:xfrm flipH="1" flipV="1">
+              <a:off x="9518566" y="5983270"/>
+              <a:ext cx="757314" cy="1"/>
+            </a:xfrm>
+            <a:prstGeom prst="straightConnector1">
+              <a:avLst/>
+            </a:prstGeom>
+            <a:ln>
+              <a:tailEnd type="triangle"/>
+            </a:ln>
+          </p:spPr>
+          <p:style>
+            <a:lnRef idx="1">
+              <a:schemeClr val="dk1"/>
+            </a:lnRef>
+            <a:fillRef idx="0">
+              <a:schemeClr val="dk1"/>
+            </a:fillRef>
+            <a:effectRef idx="0">
+              <a:schemeClr val="dk1"/>
+            </a:effectRef>
+            <a:fontRef idx="minor">
+              <a:schemeClr val="tx1"/>
+            </a:fontRef>
+          </p:style>
+        </p:cxnSp>
+        <p:grpSp>
+          <p:nvGrpSpPr>
+            <p:cNvPr id="95" name="Group 94">
+              <a:extLst>
+                <a:ext uri="{FF2B5EF4-FFF2-40B4-BE49-F238E27FC236}">
+                  <a16:creationId xmlns:a16="http://schemas.microsoft.com/office/drawing/2014/main" id="{B683C387-9158-1BF7-1720-58C1F76A389A}"/>
+                </a:ext>
+              </a:extLst>
+            </p:cNvPr>
+            <p:cNvGrpSpPr/>
+            <p:nvPr/>
+          </p:nvGrpSpPr>
+          <p:grpSpPr>
+            <a:xfrm>
+              <a:off x="9005086" y="5669234"/>
+              <a:ext cx="2281381" cy="855638"/>
+              <a:chOff x="4975668" y="5195704"/>
+              <a:chExt cx="2281381" cy="855638"/>
+            </a:xfrm>
+          </p:grpSpPr>
+          <p:grpSp>
+            <p:nvGrpSpPr>
+              <p:cNvPr id="75" name="Group 74">
+                <a:extLst>
+                  <a:ext uri="{FF2B5EF4-FFF2-40B4-BE49-F238E27FC236}">
+                    <a16:creationId xmlns:a16="http://schemas.microsoft.com/office/drawing/2014/main" id="{ACF25B43-C3C3-B460-F7C3-4489CC1D4CFD}"/>
+                  </a:ext>
+                </a:extLst>
+              </p:cNvPr>
+              <p:cNvGrpSpPr/>
+              <p:nvPr/>
+            </p:nvGrpSpPr>
+            <p:grpSpPr>
+              <a:xfrm>
+                <a:off x="4975668" y="5195704"/>
+                <a:ext cx="2281381" cy="377431"/>
+                <a:chOff x="5498969" y="3031093"/>
+                <a:chExt cx="2699906" cy="376261"/>
+              </a:xfrm>
+            </p:grpSpPr>
+            <p:sp>
+              <p:nvSpPr>
+                <p:cNvPr id="77" name="Rectangle 76">
+                  <a:extLst>
+                    <a:ext uri="{FF2B5EF4-FFF2-40B4-BE49-F238E27FC236}">
+                      <a16:creationId xmlns:a16="http://schemas.microsoft.com/office/drawing/2014/main" id="{16D12F7B-518C-45DC-5915-226774D3B998}"/>
+                    </a:ext>
+                  </a:extLst>
+                </p:cNvPr>
+                <p:cNvSpPr/>
+                <p:nvPr/>
+              </p:nvSpPr>
+              <p:spPr>
+                <a:xfrm>
+                  <a:off x="5775489" y="3199964"/>
+                  <a:ext cx="320511" cy="207390"/>
+                </a:xfrm>
+                <a:prstGeom prst="rect">
+                  <a:avLst/>
+                </a:prstGeom>
+                <a:solidFill>
+                  <a:schemeClr val="accent3">
+                    <a:lumMod val="40000"/>
+                    <a:lumOff val="60000"/>
+                  </a:schemeClr>
+                </a:solidFill>
+              </p:spPr>
+              <p:style>
+                <a:lnRef idx="2">
+                  <a:schemeClr val="accent3"/>
+                </a:lnRef>
+                <a:fillRef idx="1">
+                  <a:schemeClr val="lt1"/>
+                </a:fillRef>
+                <a:effectRef idx="0">
+                  <a:schemeClr val="accent3"/>
+                </a:effectRef>
+                <a:fontRef idx="minor">
+                  <a:schemeClr val="dk1"/>
+                </a:fontRef>
+              </p:style>
+              <p:txBody>
+                <a:bodyPr rtlCol="0" anchor="ctr"/>
+                <a:lstStyle/>
+                <a:p>
+                  <a:pPr algn="ctr"/>
+                  <a:endParaRPr lang="en-US" dirty="0"/>
+                </a:p>
+              </p:txBody>
+            </p:sp>
+            <p:cxnSp>
+              <p:nvCxnSpPr>
+                <p:cNvPr id="79" name="Straight Arrow Connector 78">
+                  <a:extLst>
+                    <a:ext uri="{FF2B5EF4-FFF2-40B4-BE49-F238E27FC236}">
+                      <a16:creationId xmlns:a16="http://schemas.microsoft.com/office/drawing/2014/main" id="{1F28C32D-426E-49BB-CCDE-E5AD00C2CFA6}"/>
+                    </a:ext>
+                  </a:extLst>
+                </p:cNvPr>
+                <p:cNvCxnSpPr>
+                  <a:cxnSpLocks/>
+                </p:cNvCxnSpPr>
+                <p:nvPr/>
+              </p:nvCxnSpPr>
+              <p:spPr>
+                <a:xfrm>
+                  <a:off x="5527250" y="3253917"/>
+                  <a:ext cx="276520" cy="0"/>
+                </a:xfrm>
+                <a:prstGeom prst="straightConnector1">
+                  <a:avLst/>
+                </a:prstGeom>
+                <a:ln>
+                  <a:tailEnd type="triangle"/>
+                </a:ln>
+              </p:spPr>
+              <p:style>
+                <a:lnRef idx="1">
+                  <a:schemeClr val="dk1"/>
+                </a:lnRef>
+                <a:fillRef idx="0">
+                  <a:schemeClr val="dk1"/>
+                </a:fillRef>
+                <a:effectRef idx="0">
+                  <a:schemeClr val="dk1"/>
+                </a:effectRef>
+                <a:fontRef idx="minor">
+                  <a:schemeClr val="tx1"/>
+                </a:fontRef>
+              </p:style>
+            </p:cxnSp>
+            <p:cxnSp>
+              <p:nvCxnSpPr>
+                <p:cNvPr id="80" name="Straight Arrow Connector 79">
+                  <a:extLst>
+                    <a:ext uri="{FF2B5EF4-FFF2-40B4-BE49-F238E27FC236}">
+                      <a16:creationId xmlns:a16="http://schemas.microsoft.com/office/drawing/2014/main" id="{17B784FE-B9B6-A7ED-FE91-49E433FF25EA}"/>
+                    </a:ext>
+                  </a:extLst>
+                </p:cNvPr>
+                <p:cNvCxnSpPr>
+                  <a:cxnSpLocks/>
+                </p:cNvCxnSpPr>
+                <p:nvPr/>
+              </p:nvCxnSpPr>
+              <p:spPr>
+                <a:xfrm flipH="1">
+                  <a:off x="5498969" y="3344157"/>
+                  <a:ext cx="276520" cy="0"/>
+                </a:xfrm>
+                <a:prstGeom prst="straightConnector1">
+                  <a:avLst/>
+                </a:prstGeom>
+                <a:ln>
+                  <a:tailEnd type="triangle"/>
+                </a:ln>
+              </p:spPr>
+              <p:style>
+                <a:lnRef idx="1">
+                  <a:schemeClr val="dk1"/>
+                </a:lnRef>
+                <a:fillRef idx="0">
+                  <a:schemeClr val="dk1"/>
+                </a:fillRef>
+                <a:effectRef idx="0">
+                  <a:schemeClr val="dk1"/>
+                </a:effectRef>
+                <a:fontRef idx="minor">
+                  <a:schemeClr val="tx1"/>
+                </a:fontRef>
+              </p:style>
+            </p:cxnSp>
+            <p:sp>
+              <p:nvSpPr>
+                <p:cNvPr id="82" name="Rectangle 81">
+                  <a:extLst>
+                    <a:ext uri="{FF2B5EF4-FFF2-40B4-BE49-F238E27FC236}">
+                      <a16:creationId xmlns:a16="http://schemas.microsoft.com/office/drawing/2014/main" id="{DD5A0131-4BC3-27F5-2C6C-A2060A99EC11}"/>
+                    </a:ext>
+                  </a:extLst>
+                </p:cNvPr>
+                <p:cNvSpPr/>
+                <p:nvPr/>
+              </p:nvSpPr>
+              <p:spPr>
+                <a:xfrm>
+                  <a:off x="6383866" y="3031093"/>
+                  <a:ext cx="320511" cy="207390"/>
+                </a:xfrm>
+                <a:prstGeom prst="rect">
+                  <a:avLst/>
+                </a:prstGeom>
+                <a:solidFill>
+                  <a:schemeClr val="accent3">
+                    <a:lumMod val="40000"/>
+                    <a:lumOff val="60000"/>
+                  </a:schemeClr>
+                </a:solidFill>
+              </p:spPr>
+              <p:style>
+                <a:lnRef idx="2">
+                  <a:schemeClr val="accent3"/>
+                </a:lnRef>
+                <a:fillRef idx="1">
+                  <a:schemeClr val="lt1"/>
+                </a:fillRef>
+                <a:effectRef idx="0">
+                  <a:schemeClr val="accent3"/>
+                </a:effectRef>
+                <a:fontRef idx="minor">
+                  <a:schemeClr val="dk1"/>
+                </a:fontRef>
+              </p:style>
+              <p:txBody>
+                <a:bodyPr rtlCol="0" anchor="ctr"/>
+                <a:lstStyle/>
+                <a:p>
+                  <a:pPr algn="ctr"/>
+                  <a:endParaRPr lang="en-US" dirty="0"/>
+                </a:p>
+              </p:txBody>
+            </p:sp>
+            <p:cxnSp>
+              <p:nvCxnSpPr>
+                <p:cNvPr id="84" name="Straight Arrow Connector 83">
+                  <a:extLst>
+                    <a:ext uri="{FF2B5EF4-FFF2-40B4-BE49-F238E27FC236}">
+                      <a16:creationId xmlns:a16="http://schemas.microsoft.com/office/drawing/2014/main" id="{C66D1945-E52B-69E1-7C90-A63FDD1658D9}"/>
+                    </a:ext>
+                  </a:extLst>
+                </p:cNvPr>
+                <p:cNvCxnSpPr>
+                  <a:cxnSpLocks/>
+                </p:cNvCxnSpPr>
+                <p:nvPr/>
+              </p:nvCxnSpPr>
+              <p:spPr>
+                <a:xfrm>
+                  <a:off x="7312756" y="3253917"/>
+                  <a:ext cx="276520" cy="0"/>
+                </a:xfrm>
+                <a:prstGeom prst="straightConnector1">
+                  <a:avLst/>
+                </a:prstGeom>
+                <a:ln>
+                  <a:tailEnd type="triangle"/>
+                </a:ln>
+              </p:spPr>
+              <p:style>
+                <a:lnRef idx="1">
+                  <a:schemeClr val="dk1"/>
+                </a:lnRef>
+                <a:fillRef idx="0">
+                  <a:schemeClr val="dk1"/>
+                </a:fillRef>
+                <a:effectRef idx="0">
+                  <a:schemeClr val="dk1"/>
+                </a:effectRef>
+                <a:fontRef idx="minor">
+                  <a:schemeClr val="tx1"/>
+                </a:fontRef>
+              </p:style>
+            </p:cxnSp>
+            <p:sp>
+              <p:nvSpPr>
+                <p:cNvPr id="85" name="Rectangle 84">
+                  <a:extLst>
+                    <a:ext uri="{FF2B5EF4-FFF2-40B4-BE49-F238E27FC236}">
+                      <a16:creationId xmlns:a16="http://schemas.microsoft.com/office/drawing/2014/main" id="{56D2E68C-A249-52D9-1D1C-FBF49D5B7F05}"/>
+                    </a:ext>
+                  </a:extLst>
+                </p:cNvPr>
+                <p:cNvSpPr/>
+                <p:nvPr/>
+              </p:nvSpPr>
+              <p:spPr>
+                <a:xfrm>
+                  <a:off x="6992245" y="3199964"/>
+                  <a:ext cx="320511" cy="207390"/>
+                </a:xfrm>
+                <a:prstGeom prst="rect">
+                  <a:avLst/>
+                </a:prstGeom>
+                <a:solidFill>
+                  <a:schemeClr val="accent3">
+                    <a:lumMod val="40000"/>
+                    <a:lumOff val="60000"/>
+                  </a:schemeClr>
+                </a:solidFill>
+              </p:spPr>
+              <p:style>
+                <a:lnRef idx="2">
+                  <a:schemeClr val="accent3"/>
+                </a:lnRef>
+                <a:fillRef idx="1">
+                  <a:schemeClr val="lt1"/>
+                </a:fillRef>
+                <a:effectRef idx="0">
+                  <a:schemeClr val="accent3"/>
+                </a:effectRef>
+                <a:fontRef idx="minor">
+                  <a:schemeClr val="dk1"/>
+                </a:fontRef>
+              </p:style>
+              <p:txBody>
+                <a:bodyPr rtlCol="0" anchor="ctr"/>
+                <a:lstStyle/>
+                <a:p>
+                  <a:pPr algn="ctr"/>
+                  <a:endParaRPr lang="en-US" dirty="0"/>
+                </a:p>
+              </p:txBody>
+            </p:sp>
+            <p:cxnSp>
+              <p:nvCxnSpPr>
+                <p:cNvPr id="86" name="Straight Arrow Connector 85">
+                  <a:extLst>
+                    <a:ext uri="{FF2B5EF4-FFF2-40B4-BE49-F238E27FC236}">
+                      <a16:creationId xmlns:a16="http://schemas.microsoft.com/office/drawing/2014/main" id="{7B074E30-2C70-BD2B-F1AB-3C797BE491F2}"/>
+                    </a:ext>
+                  </a:extLst>
+                </p:cNvPr>
+                <p:cNvCxnSpPr>
+                  <a:cxnSpLocks/>
+                </p:cNvCxnSpPr>
+                <p:nvPr/>
+              </p:nvCxnSpPr>
+              <p:spPr>
+                <a:xfrm flipH="1">
+                  <a:off x="7284475" y="3344157"/>
+                  <a:ext cx="276520" cy="0"/>
+                </a:xfrm>
+                <a:prstGeom prst="straightConnector1">
+                  <a:avLst/>
+                </a:prstGeom>
+                <a:ln>
+                  <a:tailEnd type="triangle"/>
+                </a:ln>
+              </p:spPr>
+              <p:style>
+                <a:lnRef idx="1">
+                  <a:schemeClr val="dk1"/>
+                </a:lnRef>
+                <a:fillRef idx="0">
+                  <a:schemeClr val="dk1"/>
+                </a:fillRef>
+                <a:effectRef idx="0">
+                  <a:schemeClr val="dk1"/>
+                </a:effectRef>
+                <a:fontRef idx="minor">
+                  <a:schemeClr val="tx1"/>
+                </a:fontRef>
+              </p:style>
+            </p:cxnSp>
+            <p:cxnSp>
+              <p:nvCxnSpPr>
+                <p:cNvPr id="87" name="Straight Arrow Connector 86">
+                  <a:extLst>
+                    <a:ext uri="{FF2B5EF4-FFF2-40B4-BE49-F238E27FC236}">
+                      <a16:creationId xmlns:a16="http://schemas.microsoft.com/office/drawing/2014/main" id="{12DCFCC0-528A-C9F9-E6CC-A36B623E60DE}"/>
+                    </a:ext>
+                  </a:extLst>
+                </p:cNvPr>
+                <p:cNvCxnSpPr>
+                  <a:cxnSpLocks/>
+                </p:cNvCxnSpPr>
+                <p:nvPr/>
+              </p:nvCxnSpPr>
+              <p:spPr>
+                <a:xfrm>
+                  <a:off x="7922355" y="3253917"/>
+                  <a:ext cx="276520" cy="0"/>
+                </a:xfrm>
+                <a:prstGeom prst="straightConnector1">
+                  <a:avLst/>
+                </a:prstGeom>
+                <a:ln>
+                  <a:tailEnd type="triangle"/>
+                </a:ln>
+              </p:spPr>
+              <p:style>
+                <a:lnRef idx="1">
+                  <a:schemeClr val="dk1"/>
+                </a:lnRef>
+                <a:fillRef idx="0">
+                  <a:schemeClr val="dk1"/>
+                </a:fillRef>
+                <a:effectRef idx="0">
+                  <a:schemeClr val="dk1"/>
+                </a:effectRef>
+                <a:fontRef idx="minor">
+                  <a:schemeClr val="tx1"/>
+                </a:fontRef>
+              </p:style>
+            </p:cxnSp>
+            <p:sp>
+              <p:nvSpPr>
+                <p:cNvPr id="88" name="Rectangle 87">
+                  <a:extLst>
+                    <a:ext uri="{FF2B5EF4-FFF2-40B4-BE49-F238E27FC236}">
+                      <a16:creationId xmlns:a16="http://schemas.microsoft.com/office/drawing/2014/main" id="{E1624033-AAEC-F5E5-ABED-A149340E4E76}"/>
+                    </a:ext>
+                  </a:extLst>
+                </p:cNvPr>
+                <p:cNvSpPr/>
+                <p:nvPr/>
+              </p:nvSpPr>
+              <p:spPr>
+                <a:xfrm>
+                  <a:off x="7601844" y="3199964"/>
+                  <a:ext cx="320511" cy="207390"/>
+                </a:xfrm>
+                <a:prstGeom prst="rect">
+                  <a:avLst/>
+                </a:prstGeom>
+                <a:solidFill>
+                  <a:schemeClr val="accent3">
+                    <a:lumMod val="40000"/>
+                    <a:lumOff val="60000"/>
+                  </a:schemeClr>
+                </a:solidFill>
+              </p:spPr>
+              <p:style>
+                <a:lnRef idx="2">
+                  <a:schemeClr val="accent3"/>
+                </a:lnRef>
+                <a:fillRef idx="1">
+                  <a:schemeClr val="lt1"/>
+                </a:fillRef>
+                <a:effectRef idx="0">
+                  <a:schemeClr val="accent3"/>
+                </a:effectRef>
+                <a:fontRef idx="minor">
+                  <a:schemeClr val="dk1"/>
+                </a:fontRef>
+              </p:style>
+              <p:txBody>
+                <a:bodyPr rtlCol="0" anchor="ctr"/>
+                <a:lstStyle/>
+                <a:p>
+                  <a:pPr algn="ctr"/>
+                  <a:endParaRPr lang="en-US" dirty="0"/>
+                </a:p>
+              </p:txBody>
+            </p:sp>
+            <p:cxnSp>
+              <p:nvCxnSpPr>
+                <p:cNvPr id="89" name="Straight Arrow Connector 88">
+                  <a:extLst>
+                    <a:ext uri="{FF2B5EF4-FFF2-40B4-BE49-F238E27FC236}">
+                      <a16:creationId xmlns:a16="http://schemas.microsoft.com/office/drawing/2014/main" id="{3F66CAA9-0090-F49D-3514-44D216E8B0CF}"/>
+                    </a:ext>
+                  </a:extLst>
+                </p:cNvPr>
+                <p:cNvCxnSpPr>
+                  <a:cxnSpLocks/>
+                </p:cNvCxnSpPr>
+                <p:nvPr/>
+              </p:nvCxnSpPr>
+              <p:spPr>
+                <a:xfrm flipH="1">
+                  <a:off x="7894074" y="3344157"/>
+                  <a:ext cx="276520" cy="0"/>
+                </a:xfrm>
+                <a:prstGeom prst="straightConnector1">
+                  <a:avLst/>
+                </a:prstGeom>
+                <a:ln>
+                  <a:tailEnd type="triangle"/>
+                </a:ln>
+              </p:spPr>
+              <p:style>
+                <a:lnRef idx="1">
+                  <a:schemeClr val="dk1"/>
+                </a:lnRef>
+                <a:fillRef idx="0">
+                  <a:schemeClr val="dk1"/>
+                </a:fillRef>
+                <a:effectRef idx="0">
+                  <a:schemeClr val="dk1"/>
+                </a:effectRef>
+                <a:fontRef idx="minor">
+                  <a:schemeClr val="tx1"/>
+                </a:fontRef>
+              </p:style>
+            </p:cxnSp>
+          </p:grpSp>
+          <p:sp>
+            <p:nvSpPr>
+              <p:cNvPr id="94" name="TextBox 93">
+                <a:extLst>
+                  <a:ext uri="{FF2B5EF4-FFF2-40B4-BE49-F238E27FC236}">
+                    <a16:creationId xmlns:a16="http://schemas.microsoft.com/office/drawing/2014/main" id="{005F3570-1BE2-212C-3011-980DEC4E7EBE}"/>
+                  </a:ext>
+                </a:extLst>
+              </p:cNvPr>
+              <p:cNvSpPr txBox="1"/>
+              <p:nvPr/>
+            </p:nvSpPr>
+            <p:spPr>
+              <a:xfrm>
+                <a:off x="5421745" y="5789732"/>
+                <a:ext cx="1348509" cy="261610"/>
+              </a:xfrm>
+              <a:prstGeom prst="rect">
+                <a:avLst/>
+              </a:prstGeom>
+              <a:noFill/>
+            </p:spPr>
+            <p:txBody>
+              <a:bodyPr wrap="square" rtlCol="0">
+                <a:spAutoFit/>
+              </a:bodyPr>
+              <a:lstStyle/>
+              <a:p>
+                <a:r>
+                  <a:rPr lang="en-US" sz="1100" dirty="0"/>
+                  <a:t>Deleting Element</a:t>
+                </a:r>
+              </a:p>
+            </p:txBody>
+          </p:sp>
+        </p:grpSp>
+      </p:grpSp>
+    </p:spTree>
+    <p:extLst>
+      <p:ext uri="{BB962C8B-B14F-4D97-AF65-F5344CB8AC3E}">
+        <p14:creationId xmlns:p14="http://schemas.microsoft.com/office/powerpoint/2010/main" val="2266194913"/>
+      </p:ext>
+    </p:extLst>
+  </p:cSld>
+  <p:clrMapOvr>
+    <a:masterClrMapping/>
+  </p:clrMapOvr>
+</p:sld>
+</file>
+
 <file path=ppt/theme/theme1.xml><?xml version="1.0" encoding="utf-8"?>
 <a:theme xmlns:a="http://schemas.openxmlformats.org/drawingml/2006/main" name="Facet">
   <a:themeElements>
